--- a/Presentations/20210616_Event/2021_June_Virtual_Developer_Track_An Update on the OGC API Processes.pptx
+++ b/Presentations/20210616_Event/2021_June_Virtual_Developer_Track_An Update on the OGC API Processes.pptx
@@ -4,23 +4,23 @@
   <p:sldMasterIdLst>
     <p:sldMasterId id="2147483648" r:id="rId2"/>
     <p:sldMasterId id="2147483661" r:id="rId3"/>
-    <p:sldMasterId id="2147483674" r:id="rId4"/>
   </p:sldMasterIdLst>
   <p:notesMasterIdLst>
-    <p:notesMasterId r:id="rId5"/>
+    <p:notesMasterId r:id="rId4"/>
   </p:notesMasterIdLst>
   <p:sldIdLst>
-    <p:sldId id="256" r:id="rId6"/>
-    <p:sldId id="257" r:id="rId7"/>
-    <p:sldId id="258" r:id="rId8"/>
-    <p:sldId id="259" r:id="rId9"/>
-    <p:sldId id="260" r:id="rId10"/>
-    <p:sldId id="261" r:id="rId11"/>
-    <p:sldId id="262" r:id="rId12"/>
-    <p:sldId id="263" r:id="rId13"/>
-    <p:sldId id="264" r:id="rId14"/>
-    <p:sldId id="265" r:id="rId15"/>
-    <p:sldId id="266" r:id="rId16"/>
+    <p:sldId id="256" r:id="rId5"/>
+    <p:sldId id="257" r:id="rId6"/>
+    <p:sldId id="258" r:id="rId7"/>
+    <p:sldId id="259" r:id="rId8"/>
+    <p:sldId id="260" r:id="rId9"/>
+    <p:sldId id="261" r:id="rId10"/>
+    <p:sldId id="262" r:id="rId11"/>
+    <p:sldId id="263" r:id="rId12"/>
+    <p:sldId id="264" r:id="rId13"/>
+    <p:sldId id="265" r:id="rId14"/>
+    <p:sldId id="266" r:id="rId15"/>
+    <p:sldId id="267" r:id="rId16"/>
   </p:sldIdLst>
   <p:sldSz cx="12192000" cy="6858000"/>
   <p:notesSz cx="6858000" cy="9144000"/>
@@ -46,7 +46,7 @@
       </p:grpSpPr>
       <p:sp>
         <p:nvSpPr>
-          <p:cNvPr id="144" name="PlaceHolder 1"/>
+          <p:cNvPr id="103" name="PlaceHolder 1"/>
           <p:cNvSpPr>
             <a:spLocks noGrp="1"/>
           </p:cNvSpPr>
@@ -83,7 +83,7 @@
       </p:sp>
       <p:sp>
         <p:nvSpPr>
-          <p:cNvPr id="145" name="PlaceHolder 2"/>
+          <p:cNvPr id="104" name="PlaceHolder 2"/>
           <p:cNvSpPr>
             <a:spLocks noGrp="1"/>
           </p:cNvSpPr>
@@ -119,7 +119,7 @@
       </p:sp>
       <p:sp>
         <p:nvSpPr>
-          <p:cNvPr id="146" name="PlaceHolder 3"/>
+          <p:cNvPr id="105" name="PlaceHolder 3"/>
           <p:cNvSpPr>
             <a:spLocks noGrp="1"/>
           </p:cNvSpPr>
@@ -155,7 +155,7 @@
       </p:sp>
       <p:sp>
         <p:nvSpPr>
-          <p:cNvPr id="147" name="PlaceHolder 4"/>
+          <p:cNvPr id="106" name="PlaceHolder 4"/>
           <p:cNvSpPr>
             <a:spLocks noGrp="1"/>
           </p:cNvSpPr>
@@ -192,7 +192,7 @@
       </p:sp>
       <p:sp>
         <p:nvSpPr>
-          <p:cNvPr id="148" name="PlaceHolder 5"/>
+          <p:cNvPr id="107" name="PlaceHolder 5"/>
           <p:cNvSpPr>
             <a:spLocks noGrp="1"/>
           </p:cNvSpPr>
@@ -228,7 +228,7 @@
       </p:sp>
       <p:sp>
         <p:nvSpPr>
-          <p:cNvPr id="149" name="PlaceHolder 6"/>
+          <p:cNvPr id="108" name="PlaceHolder 6"/>
           <p:cNvSpPr>
             <a:spLocks noGrp="1"/>
           </p:cNvSpPr>
@@ -251,7 +251,7 @@
           </a:bodyPr>
           <a:p>
             <a:pPr algn="r"/>
-            <a:fld id="{478195DD-7678-4B09-8736-ABA3B7BF2FD3}" type="slidenum">
+            <a:fld id="{027E89A2-F431-4507-8AFD-D41E9B7CA28C}" type="slidenum">
               <a:rPr b="0" lang="en-US" sz="1400" spc="-1" strike="noStrike">
                 <a:latin typeface="Times New Roman"/>
               </a:rPr>
@@ -288,7 +288,7 @@
       </p:grpSpPr>
       <p:sp>
         <p:nvSpPr>
-          <p:cNvPr id="172" name="PlaceHolder 1"/>
+          <p:cNvPr id="133" name="PlaceHolder 1"/>
           <p:cNvSpPr>
             <a:spLocks noGrp="1"/>
           </p:cNvSpPr>
@@ -299,16 +299,16 @@
         <p:spPr>
           <a:xfrm>
             <a:off x="685800" y="1143000"/>
-            <a:ext cx="5485680" cy="3085560"/>
-          </a:xfrm>
-          <a:prstGeom prst="rect">
-            <a:avLst/>
-          </a:prstGeom>
-        </p:spPr>
-      </p:sp>
-      <p:sp>
-        <p:nvSpPr>
-          <p:cNvPr id="173" name="PlaceHolder 2"/>
+            <a:ext cx="5485320" cy="3085200"/>
+          </a:xfrm>
+          <a:prstGeom prst="rect">
+            <a:avLst/>
+          </a:prstGeom>
+        </p:spPr>
+      </p:sp>
+      <p:sp>
+        <p:nvSpPr>
+          <p:cNvPr id="134" name="PlaceHolder 2"/>
           <p:cNvSpPr>
             <a:spLocks noGrp="1"/>
           </p:cNvSpPr>
@@ -319,7 +319,7 @@
         <p:spPr>
           <a:xfrm>
             <a:off x="685800" y="4400640"/>
-            <a:ext cx="5485680" cy="3599640"/>
+            <a:ext cx="5485320" cy="3599280"/>
           </a:xfrm>
           <a:prstGeom prst="rect">
             <a:avLst/>
@@ -338,14 +338,14 @@
       </p:sp>
       <p:sp>
         <p:nvSpPr>
-          <p:cNvPr id="174" name="CustomShape 3"/>
+          <p:cNvPr id="135" name="CustomShape 3"/>
           <p:cNvSpPr/>
           <p:nvPr/>
         </p:nvSpPr>
         <p:spPr>
           <a:xfrm>
             <a:off x="3884760" y="8685360"/>
-            <a:ext cx="2971080" cy="457920"/>
+            <a:ext cx="2970720" cy="457560"/>
           </a:xfrm>
           <a:prstGeom prst="rect">
             <a:avLst/>
@@ -371,8 +371,11 @@
                 <a:spcPct val="100000"/>
               </a:lnSpc>
             </a:pPr>
-            <a:fld id="{18CF0965-3B72-443F-924D-3CF88581F2F2}" type="slidenum">
+            <a:fld id="{BC8FAAB1-95B3-45DB-8446-18C878A2E07F}" type="slidenum">
               <a:rPr b="0" lang="en-US" sz="1200" spc="-1" strike="noStrike">
+                <a:solidFill>
+                  <a:srgbClr val="000000"/>
+                </a:solidFill>
                 <a:latin typeface="Times New Roman"/>
               </a:rPr>
               <a:t>&lt;Foliennummer&gt;</a:t>
@@ -2369,361 +2372,6 @@
 </p:sldLayout>
 </file>
 
-<file path=ppt/slideLayouts/slideLayout25.xml><?xml version="1.0" encoding="utf-8"?>
-<p:sldLayout xmlns:a="http://schemas.openxmlformats.org/drawingml/2006/main" xmlns:p="http://schemas.openxmlformats.org/presentationml/2006/main" xmlns:r="http://schemas.openxmlformats.org/officeDocument/2006/relationships" xmlns:p14="http://schemas.microsoft.com/office/powerpoint/2010/main" xmlns:p15="http://schemas.microsoft.com/office/powerpoint/2012/main" xmlns:mc="http://schemas.openxmlformats.org/markup-compatibility/2006" type="blank" preserve="1">
-  <p:cSld name="Blank Slide">
-    <p:spTree>
-      <p:nvGrpSpPr>
-        <p:cNvPr id="1" name=""/>
-        <p:cNvGrpSpPr/>
-        <p:nvPr/>
-      </p:nvGrpSpPr>
-      <p:grpSpPr>
-        <a:xfrm>
-          <a:off x="0" y="0"/>
-          <a:ext cx="0" cy="0"/>
-          <a:chOff x="0" y="0"/>
-          <a:chExt cx="0" cy="0"/>
-        </a:xfrm>
-      </p:grpSpPr>
-    </p:spTree>
-  </p:cSld>
-</p:sldLayout>
-</file>
-
-<file path=ppt/slideLayouts/slideLayout26.xml><?xml version="1.0" encoding="utf-8"?>
-<p:sldLayout xmlns:a="http://schemas.openxmlformats.org/drawingml/2006/main" xmlns:p="http://schemas.openxmlformats.org/presentationml/2006/main" xmlns:r="http://schemas.openxmlformats.org/officeDocument/2006/relationships" xmlns:p14="http://schemas.microsoft.com/office/powerpoint/2010/main" xmlns:p15="http://schemas.microsoft.com/office/powerpoint/2012/main" xmlns:mc="http://schemas.openxmlformats.org/markup-compatibility/2006" type="tx" preserve="1">
-  <p:cSld name="Title Slide">
-    <p:spTree>
-      <p:nvGrpSpPr>
-        <p:cNvPr id="1" name=""/>
-        <p:cNvGrpSpPr/>
-        <p:nvPr/>
-      </p:nvGrpSpPr>
-      <p:grpSpPr>
-        <a:xfrm>
-          <a:off x="0" y="0"/>
-          <a:ext cx="0" cy="0"/>
-          <a:chOff x="0" y="0"/>
-          <a:chExt cx="0" cy="0"/>
-        </a:xfrm>
-      </p:grpSpPr>
-      <p:sp>
-        <p:nvSpPr>
-          <p:cNvPr id="108" name="PlaceHolder 1"/>
-          <p:cNvSpPr>
-            <a:spLocks noGrp="1"/>
-          </p:cNvSpPr>
-          <p:nvPr>
-            <p:ph type="title"/>
-          </p:nvPr>
-        </p:nvSpPr>
-        <p:spPr>
-          <a:xfrm>
-            <a:off x="609480" y="273600"/>
-            <a:ext cx="10972440" cy="1144800"/>
-          </a:xfrm>
-          <a:prstGeom prst="rect">
-            <a:avLst/>
-          </a:prstGeom>
-        </p:spPr>
-        <p:txBody>
-          <a:bodyPr lIns="0" rIns="0" tIns="0" bIns="0" anchor="ctr">
-            <a:noAutofit/>
-          </a:bodyPr>
-          <a:p>
-            <a:pPr algn="ctr"/>
-            <a:endParaRPr b="0" lang="en-US" sz="4400" spc="-1" strike="noStrike">
-              <a:latin typeface="Arial"/>
-            </a:endParaRPr>
-          </a:p>
-        </p:txBody>
-      </p:sp>
-      <p:sp>
-        <p:nvSpPr>
-          <p:cNvPr id="109" name="PlaceHolder 2"/>
-          <p:cNvSpPr>
-            <a:spLocks noGrp="1"/>
-          </p:cNvSpPr>
-          <p:nvPr>
-            <p:ph type="subTitle"/>
-          </p:nvPr>
-        </p:nvSpPr>
-        <p:spPr>
-          <a:xfrm>
-            <a:off x="609480" y="1604520"/>
-            <a:ext cx="10972440" cy="3977280"/>
-          </a:xfrm>
-          <a:prstGeom prst="rect">
-            <a:avLst/>
-          </a:prstGeom>
-        </p:spPr>
-        <p:txBody>
-          <a:bodyPr lIns="0" rIns="0" tIns="0" bIns="0" anchor="ctr">
-            <a:noAutofit/>
-          </a:bodyPr>
-          <a:p>
-            <a:pPr algn="ctr"/>
-            <a:endParaRPr b="0" lang="en-US" sz="3200" spc="-1" strike="noStrike">
-              <a:latin typeface="Arial"/>
-            </a:endParaRPr>
-          </a:p>
-        </p:txBody>
-      </p:sp>
-    </p:spTree>
-  </p:cSld>
-</p:sldLayout>
-</file>
-
-<file path=ppt/slideLayouts/slideLayout27.xml><?xml version="1.0" encoding="utf-8"?>
-<p:sldLayout xmlns:a="http://schemas.openxmlformats.org/drawingml/2006/main" xmlns:p="http://schemas.openxmlformats.org/presentationml/2006/main" xmlns:r="http://schemas.openxmlformats.org/officeDocument/2006/relationships" xmlns:p14="http://schemas.microsoft.com/office/powerpoint/2010/main" xmlns:p15="http://schemas.microsoft.com/office/powerpoint/2012/main" xmlns:mc="http://schemas.openxmlformats.org/markup-compatibility/2006" type="obj" preserve="1">
-  <p:cSld name="Title, Content">
-    <p:spTree>
-      <p:nvGrpSpPr>
-        <p:cNvPr id="1" name=""/>
-        <p:cNvGrpSpPr/>
-        <p:nvPr/>
-      </p:nvGrpSpPr>
-      <p:grpSpPr>
-        <a:xfrm>
-          <a:off x="0" y="0"/>
-          <a:ext cx="0" cy="0"/>
-          <a:chOff x="0" y="0"/>
-          <a:chExt cx="0" cy="0"/>
-        </a:xfrm>
-      </p:grpSpPr>
-      <p:sp>
-        <p:nvSpPr>
-          <p:cNvPr id="110" name="PlaceHolder 1"/>
-          <p:cNvSpPr>
-            <a:spLocks noGrp="1"/>
-          </p:cNvSpPr>
-          <p:nvPr>
-            <p:ph type="title"/>
-          </p:nvPr>
-        </p:nvSpPr>
-        <p:spPr>
-          <a:xfrm>
-            <a:off x="609480" y="273600"/>
-            <a:ext cx="10972440" cy="1144800"/>
-          </a:xfrm>
-          <a:prstGeom prst="rect">
-            <a:avLst/>
-          </a:prstGeom>
-        </p:spPr>
-        <p:txBody>
-          <a:bodyPr lIns="0" rIns="0" tIns="0" bIns="0" anchor="ctr">
-            <a:noAutofit/>
-          </a:bodyPr>
-          <a:p>
-            <a:pPr algn="ctr"/>
-            <a:endParaRPr b="0" lang="en-US" sz="4400" spc="-1" strike="noStrike">
-              <a:latin typeface="Arial"/>
-            </a:endParaRPr>
-          </a:p>
-        </p:txBody>
-      </p:sp>
-      <p:sp>
-        <p:nvSpPr>
-          <p:cNvPr id="111" name="PlaceHolder 2"/>
-          <p:cNvSpPr>
-            <a:spLocks noGrp="1"/>
-          </p:cNvSpPr>
-          <p:nvPr>
-            <p:ph type="body"/>
-          </p:nvPr>
-        </p:nvSpPr>
-        <p:spPr>
-          <a:xfrm>
-            <a:off x="609480" y="1604520"/>
-            <a:ext cx="10972440" cy="3977280"/>
-          </a:xfrm>
-          <a:prstGeom prst="rect">
-            <a:avLst/>
-          </a:prstGeom>
-        </p:spPr>
-        <p:txBody>
-          <a:bodyPr lIns="0" rIns="0" tIns="0" bIns="0">
-            <a:normAutofit/>
-          </a:bodyPr>
-          <a:p>
-            <a:endParaRPr b="0" lang="en-US" sz="3200" spc="-1" strike="noStrike">
-              <a:latin typeface="Arial"/>
-            </a:endParaRPr>
-          </a:p>
-        </p:txBody>
-      </p:sp>
-    </p:spTree>
-  </p:cSld>
-</p:sldLayout>
-</file>
-
-<file path=ppt/slideLayouts/slideLayout28.xml><?xml version="1.0" encoding="utf-8"?>
-<p:sldLayout xmlns:a="http://schemas.openxmlformats.org/drawingml/2006/main" xmlns:p="http://schemas.openxmlformats.org/presentationml/2006/main" xmlns:r="http://schemas.openxmlformats.org/officeDocument/2006/relationships" xmlns:p14="http://schemas.microsoft.com/office/powerpoint/2010/main" xmlns:p15="http://schemas.microsoft.com/office/powerpoint/2012/main" xmlns:mc="http://schemas.openxmlformats.org/markup-compatibility/2006" type="twoObj" preserve="1">
-  <p:cSld name="Title, 2 Content">
-    <p:spTree>
-      <p:nvGrpSpPr>
-        <p:cNvPr id="1" name=""/>
-        <p:cNvGrpSpPr/>
-        <p:nvPr/>
-      </p:nvGrpSpPr>
-      <p:grpSpPr>
-        <a:xfrm>
-          <a:off x="0" y="0"/>
-          <a:ext cx="0" cy="0"/>
-          <a:chOff x="0" y="0"/>
-          <a:chExt cx="0" cy="0"/>
-        </a:xfrm>
-      </p:grpSpPr>
-      <p:sp>
-        <p:nvSpPr>
-          <p:cNvPr id="112" name="PlaceHolder 1"/>
-          <p:cNvSpPr>
-            <a:spLocks noGrp="1"/>
-          </p:cNvSpPr>
-          <p:nvPr>
-            <p:ph type="title"/>
-          </p:nvPr>
-        </p:nvSpPr>
-        <p:spPr>
-          <a:xfrm>
-            <a:off x="609480" y="273600"/>
-            <a:ext cx="10972440" cy="1144800"/>
-          </a:xfrm>
-          <a:prstGeom prst="rect">
-            <a:avLst/>
-          </a:prstGeom>
-        </p:spPr>
-        <p:txBody>
-          <a:bodyPr lIns="0" rIns="0" tIns="0" bIns="0" anchor="ctr">
-            <a:noAutofit/>
-          </a:bodyPr>
-          <a:p>
-            <a:pPr algn="ctr"/>
-            <a:endParaRPr b="0" lang="en-US" sz="4400" spc="-1" strike="noStrike">
-              <a:latin typeface="Arial"/>
-            </a:endParaRPr>
-          </a:p>
-        </p:txBody>
-      </p:sp>
-      <p:sp>
-        <p:nvSpPr>
-          <p:cNvPr id="113" name="PlaceHolder 2"/>
-          <p:cNvSpPr>
-            <a:spLocks noGrp="1"/>
-          </p:cNvSpPr>
-          <p:nvPr>
-            <p:ph type="body"/>
-          </p:nvPr>
-        </p:nvSpPr>
-        <p:spPr>
-          <a:xfrm>
-            <a:off x="609480" y="1604520"/>
-            <a:ext cx="5354280" cy="3977280"/>
-          </a:xfrm>
-          <a:prstGeom prst="rect">
-            <a:avLst/>
-          </a:prstGeom>
-        </p:spPr>
-        <p:txBody>
-          <a:bodyPr lIns="0" rIns="0" tIns="0" bIns="0">
-            <a:normAutofit/>
-          </a:bodyPr>
-          <a:p>
-            <a:endParaRPr b="0" lang="en-US" sz="3200" spc="-1" strike="noStrike">
-              <a:latin typeface="Arial"/>
-            </a:endParaRPr>
-          </a:p>
-        </p:txBody>
-      </p:sp>
-      <p:sp>
-        <p:nvSpPr>
-          <p:cNvPr id="114" name="PlaceHolder 3"/>
-          <p:cNvSpPr>
-            <a:spLocks noGrp="1"/>
-          </p:cNvSpPr>
-          <p:nvPr>
-            <p:ph type="body"/>
-          </p:nvPr>
-        </p:nvSpPr>
-        <p:spPr>
-          <a:xfrm>
-            <a:off x="6231960" y="1604520"/>
-            <a:ext cx="5354280" cy="3977280"/>
-          </a:xfrm>
-          <a:prstGeom prst="rect">
-            <a:avLst/>
-          </a:prstGeom>
-        </p:spPr>
-        <p:txBody>
-          <a:bodyPr lIns="0" rIns="0" tIns="0" bIns="0">
-            <a:normAutofit/>
-          </a:bodyPr>
-          <a:p>
-            <a:endParaRPr b="0" lang="en-US" sz="3200" spc="-1" strike="noStrike">
-              <a:latin typeface="Arial"/>
-            </a:endParaRPr>
-          </a:p>
-        </p:txBody>
-      </p:sp>
-    </p:spTree>
-  </p:cSld>
-</p:sldLayout>
-</file>
-
-<file path=ppt/slideLayouts/slideLayout29.xml><?xml version="1.0" encoding="utf-8"?>
-<p:sldLayout xmlns:a="http://schemas.openxmlformats.org/drawingml/2006/main" xmlns:p="http://schemas.openxmlformats.org/presentationml/2006/main" xmlns:r="http://schemas.openxmlformats.org/officeDocument/2006/relationships" xmlns:p14="http://schemas.microsoft.com/office/powerpoint/2010/main" xmlns:p15="http://schemas.microsoft.com/office/powerpoint/2012/main" xmlns:mc="http://schemas.openxmlformats.org/markup-compatibility/2006" type="titleOnly" preserve="1">
-  <p:cSld name="Title Only">
-    <p:spTree>
-      <p:nvGrpSpPr>
-        <p:cNvPr id="1" name=""/>
-        <p:cNvGrpSpPr/>
-        <p:nvPr/>
-      </p:nvGrpSpPr>
-      <p:grpSpPr>
-        <a:xfrm>
-          <a:off x="0" y="0"/>
-          <a:ext cx="0" cy="0"/>
-          <a:chOff x="0" y="0"/>
-          <a:chExt cx="0" cy="0"/>
-        </a:xfrm>
-      </p:grpSpPr>
-      <p:sp>
-        <p:nvSpPr>
-          <p:cNvPr id="115" name="PlaceHolder 1"/>
-          <p:cNvSpPr>
-            <a:spLocks noGrp="1"/>
-          </p:cNvSpPr>
-          <p:nvPr>
-            <p:ph type="title"/>
-          </p:nvPr>
-        </p:nvSpPr>
-        <p:spPr>
-          <a:xfrm>
-            <a:off x="609480" y="273600"/>
-            <a:ext cx="10972440" cy="1144800"/>
-          </a:xfrm>
-          <a:prstGeom prst="rect">
-            <a:avLst/>
-          </a:prstGeom>
-        </p:spPr>
-        <p:txBody>
-          <a:bodyPr lIns="0" rIns="0" tIns="0" bIns="0" anchor="ctr">
-            <a:noAutofit/>
-          </a:bodyPr>
-          <a:p>
-            <a:pPr algn="ctr"/>
-            <a:endParaRPr b="0" lang="en-US" sz="4400" spc="-1" strike="noStrike">
-              <a:latin typeface="Arial"/>
-            </a:endParaRPr>
-          </a:p>
-        </p:txBody>
-      </p:sp>
-    </p:spTree>
-  </p:cSld>
-</p:sldLayout>
-</file>
-
 <file path=ppt/slideLayouts/slideLayout3.xml><?xml version="1.0" encoding="utf-8"?>
 <p:sldLayout xmlns:a="http://schemas.openxmlformats.org/drawingml/2006/main" xmlns:p="http://schemas.openxmlformats.org/presentationml/2006/main" xmlns:r="http://schemas.openxmlformats.org/officeDocument/2006/relationships" xmlns:p14="http://schemas.microsoft.com/office/powerpoint/2010/main" xmlns:p15="http://schemas.microsoft.com/office/powerpoint/2012/main" xmlns:mc="http://schemas.openxmlformats.org/markup-compatibility/2006" type="obj" preserve="1">
   <p:cSld name="Title, Content">
@@ -2786,1007 +2434,6 @@
           <a:xfrm>
             <a:off x="609480" y="1604520"/>
             <a:ext cx="10972440" cy="3977280"/>
-          </a:xfrm>
-          <a:prstGeom prst="rect">
-            <a:avLst/>
-          </a:prstGeom>
-        </p:spPr>
-        <p:txBody>
-          <a:bodyPr lIns="0" rIns="0" tIns="0" bIns="0">
-            <a:normAutofit/>
-          </a:bodyPr>
-          <a:p>
-            <a:endParaRPr b="0" lang="en-US" sz="3200" spc="-1" strike="noStrike">
-              <a:latin typeface="Arial"/>
-            </a:endParaRPr>
-          </a:p>
-        </p:txBody>
-      </p:sp>
-    </p:spTree>
-  </p:cSld>
-</p:sldLayout>
-</file>
-
-<file path=ppt/slideLayouts/slideLayout30.xml><?xml version="1.0" encoding="utf-8"?>
-<p:sldLayout xmlns:a="http://schemas.openxmlformats.org/drawingml/2006/main" xmlns:p="http://schemas.openxmlformats.org/presentationml/2006/main" xmlns:r="http://schemas.openxmlformats.org/officeDocument/2006/relationships" xmlns:p14="http://schemas.microsoft.com/office/powerpoint/2010/main" xmlns:p15="http://schemas.microsoft.com/office/powerpoint/2012/main" xmlns:mc="http://schemas.openxmlformats.org/markup-compatibility/2006" type="objOnly" preserve="1">
-  <p:cSld name="Centered Text">
-    <p:spTree>
-      <p:nvGrpSpPr>
-        <p:cNvPr id="1" name=""/>
-        <p:cNvGrpSpPr/>
-        <p:nvPr/>
-      </p:nvGrpSpPr>
-      <p:grpSpPr>
-        <a:xfrm>
-          <a:off x="0" y="0"/>
-          <a:ext cx="0" cy="0"/>
-          <a:chOff x="0" y="0"/>
-          <a:chExt cx="0" cy="0"/>
-        </a:xfrm>
-      </p:grpSpPr>
-      <p:sp>
-        <p:nvSpPr>
-          <p:cNvPr id="116" name="PlaceHolder 1"/>
-          <p:cNvSpPr>
-            <a:spLocks noGrp="1"/>
-          </p:cNvSpPr>
-          <p:nvPr>
-            <p:ph type="subTitle"/>
-          </p:nvPr>
-        </p:nvSpPr>
-        <p:spPr>
-          <a:xfrm>
-            <a:off x="609480" y="273600"/>
-            <a:ext cx="10972440" cy="5307840"/>
-          </a:xfrm>
-          <a:prstGeom prst="rect">
-            <a:avLst/>
-          </a:prstGeom>
-        </p:spPr>
-        <p:txBody>
-          <a:bodyPr lIns="0" rIns="0" tIns="0" bIns="0" anchor="ctr">
-            <a:noAutofit/>
-          </a:bodyPr>
-          <a:p>
-            <a:pPr algn="ctr"/>
-            <a:endParaRPr b="0" lang="en-US" sz="3200" spc="-1" strike="noStrike">
-              <a:latin typeface="Arial"/>
-            </a:endParaRPr>
-          </a:p>
-        </p:txBody>
-      </p:sp>
-    </p:spTree>
-  </p:cSld>
-</p:sldLayout>
-</file>
-
-<file path=ppt/slideLayouts/slideLayout31.xml><?xml version="1.0" encoding="utf-8"?>
-<p:sldLayout xmlns:a="http://schemas.openxmlformats.org/drawingml/2006/main" xmlns:p="http://schemas.openxmlformats.org/presentationml/2006/main" xmlns:r="http://schemas.openxmlformats.org/officeDocument/2006/relationships" xmlns:p14="http://schemas.microsoft.com/office/powerpoint/2010/main" xmlns:p15="http://schemas.microsoft.com/office/powerpoint/2012/main" xmlns:mc="http://schemas.openxmlformats.org/markup-compatibility/2006" type="twoObjAndObj" preserve="1">
-  <p:cSld name="Title, 2 Content and Content">
-    <p:spTree>
-      <p:nvGrpSpPr>
-        <p:cNvPr id="1" name=""/>
-        <p:cNvGrpSpPr/>
-        <p:nvPr/>
-      </p:nvGrpSpPr>
-      <p:grpSpPr>
-        <a:xfrm>
-          <a:off x="0" y="0"/>
-          <a:ext cx="0" cy="0"/>
-          <a:chOff x="0" y="0"/>
-          <a:chExt cx="0" cy="0"/>
-        </a:xfrm>
-      </p:grpSpPr>
-      <p:sp>
-        <p:nvSpPr>
-          <p:cNvPr id="117" name="PlaceHolder 1"/>
-          <p:cNvSpPr>
-            <a:spLocks noGrp="1"/>
-          </p:cNvSpPr>
-          <p:nvPr>
-            <p:ph type="title"/>
-          </p:nvPr>
-        </p:nvSpPr>
-        <p:spPr>
-          <a:xfrm>
-            <a:off x="609480" y="273600"/>
-            <a:ext cx="10972440" cy="1144800"/>
-          </a:xfrm>
-          <a:prstGeom prst="rect">
-            <a:avLst/>
-          </a:prstGeom>
-        </p:spPr>
-        <p:txBody>
-          <a:bodyPr lIns="0" rIns="0" tIns="0" bIns="0" anchor="ctr">
-            <a:noAutofit/>
-          </a:bodyPr>
-          <a:p>
-            <a:pPr algn="ctr"/>
-            <a:endParaRPr b="0" lang="en-US" sz="4400" spc="-1" strike="noStrike">
-              <a:latin typeface="Arial"/>
-            </a:endParaRPr>
-          </a:p>
-        </p:txBody>
-      </p:sp>
-      <p:sp>
-        <p:nvSpPr>
-          <p:cNvPr id="118" name="PlaceHolder 2"/>
-          <p:cNvSpPr>
-            <a:spLocks noGrp="1"/>
-          </p:cNvSpPr>
-          <p:nvPr>
-            <p:ph type="body"/>
-          </p:nvPr>
-        </p:nvSpPr>
-        <p:spPr>
-          <a:xfrm>
-            <a:off x="609480" y="1604520"/>
-            <a:ext cx="5354280" cy="1896840"/>
-          </a:xfrm>
-          <a:prstGeom prst="rect">
-            <a:avLst/>
-          </a:prstGeom>
-        </p:spPr>
-        <p:txBody>
-          <a:bodyPr lIns="0" rIns="0" tIns="0" bIns="0">
-            <a:normAutofit/>
-          </a:bodyPr>
-          <a:p>
-            <a:endParaRPr b="0" lang="en-US" sz="3200" spc="-1" strike="noStrike">
-              <a:latin typeface="Arial"/>
-            </a:endParaRPr>
-          </a:p>
-        </p:txBody>
-      </p:sp>
-      <p:sp>
-        <p:nvSpPr>
-          <p:cNvPr id="119" name="PlaceHolder 3"/>
-          <p:cNvSpPr>
-            <a:spLocks noGrp="1"/>
-          </p:cNvSpPr>
-          <p:nvPr>
-            <p:ph type="body"/>
-          </p:nvPr>
-        </p:nvSpPr>
-        <p:spPr>
-          <a:xfrm>
-            <a:off x="6231960" y="1604520"/>
-            <a:ext cx="5354280" cy="3977280"/>
-          </a:xfrm>
-          <a:prstGeom prst="rect">
-            <a:avLst/>
-          </a:prstGeom>
-        </p:spPr>
-        <p:txBody>
-          <a:bodyPr lIns="0" rIns="0" tIns="0" bIns="0">
-            <a:normAutofit/>
-          </a:bodyPr>
-          <a:p>
-            <a:endParaRPr b="0" lang="en-US" sz="3200" spc="-1" strike="noStrike">
-              <a:latin typeface="Arial"/>
-            </a:endParaRPr>
-          </a:p>
-        </p:txBody>
-      </p:sp>
-      <p:sp>
-        <p:nvSpPr>
-          <p:cNvPr id="120" name="PlaceHolder 4"/>
-          <p:cNvSpPr>
-            <a:spLocks noGrp="1"/>
-          </p:cNvSpPr>
-          <p:nvPr>
-            <p:ph type="body"/>
-          </p:nvPr>
-        </p:nvSpPr>
-        <p:spPr>
-          <a:xfrm>
-            <a:off x="609480" y="3682080"/>
-            <a:ext cx="5354280" cy="1896840"/>
-          </a:xfrm>
-          <a:prstGeom prst="rect">
-            <a:avLst/>
-          </a:prstGeom>
-        </p:spPr>
-        <p:txBody>
-          <a:bodyPr lIns="0" rIns="0" tIns="0" bIns="0">
-            <a:normAutofit/>
-          </a:bodyPr>
-          <a:p>
-            <a:endParaRPr b="0" lang="en-US" sz="3200" spc="-1" strike="noStrike">
-              <a:latin typeface="Arial"/>
-            </a:endParaRPr>
-          </a:p>
-        </p:txBody>
-      </p:sp>
-    </p:spTree>
-  </p:cSld>
-</p:sldLayout>
-</file>
-
-<file path=ppt/slideLayouts/slideLayout32.xml><?xml version="1.0" encoding="utf-8"?>
-<p:sldLayout xmlns:a="http://schemas.openxmlformats.org/drawingml/2006/main" xmlns:p="http://schemas.openxmlformats.org/presentationml/2006/main" xmlns:r="http://schemas.openxmlformats.org/officeDocument/2006/relationships" xmlns:p14="http://schemas.microsoft.com/office/powerpoint/2010/main" xmlns:p15="http://schemas.microsoft.com/office/powerpoint/2012/main" xmlns:mc="http://schemas.openxmlformats.org/markup-compatibility/2006" type="objAndTwoObj" preserve="1">
-  <p:cSld name="Title Content and 2 Content">
-    <p:spTree>
-      <p:nvGrpSpPr>
-        <p:cNvPr id="1" name=""/>
-        <p:cNvGrpSpPr/>
-        <p:nvPr/>
-      </p:nvGrpSpPr>
-      <p:grpSpPr>
-        <a:xfrm>
-          <a:off x="0" y="0"/>
-          <a:ext cx="0" cy="0"/>
-          <a:chOff x="0" y="0"/>
-          <a:chExt cx="0" cy="0"/>
-        </a:xfrm>
-      </p:grpSpPr>
-      <p:sp>
-        <p:nvSpPr>
-          <p:cNvPr id="121" name="PlaceHolder 1"/>
-          <p:cNvSpPr>
-            <a:spLocks noGrp="1"/>
-          </p:cNvSpPr>
-          <p:nvPr>
-            <p:ph type="title"/>
-          </p:nvPr>
-        </p:nvSpPr>
-        <p:spPr>
-          <a:xfrm>
-            <a:off x="609480" y="273600"/>
-            <a:ext cx="10972440" cy="1144800"/>
-          </a:xfrm>
-          <a:prstGeom prst="rect">
-            <a:avLst/>
-          </a:prstGeom>
-        </p:spPr>
-        <p:txBody>
-          <a:bodyPr lIns="0" rIns="0" tIns="0" bIns="0" anchor="ctr">
-            <a:noAutofit/>
-          </a:bodyPr>
-          <a:p>
-            <a:pPr algn="ctr"/>
-            <a:endParaRPr b="0" lang="en-US" sz="4400" spc="-1" strike="noStrike">
-              <a:latin typeface="Arial"/>
-            </a:endParaRPr>
-          </a:p>
-        </p:txBody>
-      </p:sp>
-      <p:sp>
-        <p:nvSpPr>
-          <p:cNvPr id="122" name="PlaceHolder 2"/>
-          <p:cNvSpPr>
-            <a:spLocks noGrp="1"/>
-          </p:cNvSpPr>
-          <p:nvPr>
-            <p:ph type="body"/>
-          </p:nvPr>
-        </p:nvSpPr>
-        <p:spPr>
-          <a:xfrm>
-            <a:off x="609480" y="1604520"/>
-            <a:ext cx="5354280" cy="3977280"/>
-          </a:xfrm>
-          <a:prstGeom prst="rect">
-            <a:avLst/>
-          </a:prstGeom>
-        </p:spPr>
-        <p:txBody>
-          <a:bodyPr lIns="0" rIns="0" tIns="0" bIns="0">
-            <a:normAutofit/>
-          </a:bodyPr>
-          <a:p>
-            <a:endParaRPr b="0" lang="en-US" sz="3200" spc="-1" strike="noStrike">
-              <a:latin typeface="Arial"/>
-            </a:endParaRPr>
-          </a:p>
-        </p:txBody>
-      </p:sp>
-      <p:sp>
-        <p:nvSpPr>
-          <p:cNvPr id="123" name="PlaceHolder 3"/>
-          <p:cNvSpPr>
-            <a:spLocks noGrp="1"/>
-          </p:cNvSpPr>
-          <p:nvPr>
-            <p:ph type="body"/>
-          </p:nvPr>
-        </p:nvSpPr>
-        <p:spPr>
-          <a:xfrm>
-            <a:off x="6231960" y="1604520"/>
-            <a:ext cx="5354280" cy="1896840"/>
-          </a:xfrm>
-          <a:prstGeom prst="rect">
-            <a:avLst/>
-          </a:prstGeom>
-        </p:spPr>
-        <p:txBody>
-          <a:bodyPr lIns="0" rIns="0" tIns="0" bIns="0">
-            <a:normAutofit/>
-          </a:bodyPr>
-          <a:p>
-            <a:endParaRPr b="0" lang="en-US" sz="3200" spc="-1" strike="noStrike">
-              <a:latin typeface="Arial"/>
-            </a:endParaRPr>
-          </a:p>
-        </p:txBody>
-      </p:sp>
-      <p:sp>
-        <p:nvSpPr>
-          <p:cNvPr id="124" name="PlaceHolder 4"/>
-          <p:cNvSpPr>
-            <a:spLocks noGrp="1"/>
-          </p:cNvSpPr>
-          <p:nvPr>
-            <p:ph type="body"/>
-          </p:nvPr>
-        </p:nvSpPr>
-        <p:spPr>
-          <a:xfrm>
-            <a:off x="6231960" y="3682080"/>
-            <a:ext cx="5354280" cy="1896840"/>
-          </a:xfrm>
-          <a:prstGeom prst="rect">
-            <a:avLst/>
-          </a:prstGeom>
-        </p:spPr>
-        <p:txBody>
-          <a:bodyPr lIns="0" rIns="0" tIns="0" bIns="0">
-            <a:normAutofit/>
-          </a:bodyPr>
-          <a:p>
-            <a:endParaRPr b="0" lang="en-US" sz="3200" spc="-1" strike="noStrike">
-              <a:latin typeface="Arial"/>
-            </a:endParaRPr>
-          </a:p>
-        </p:txBody>
-      </p:sp>
-    </p:spTree>
-  </p:cSld>
-</p:sldLayout>
-</file>
-
-<file path=ppt/slideLayouts/slideLayout33.xml><?xml version="1.0" encoding="utf-8"?>
-<p:sldLayout xmlns:a="http://schemas.openxmlformats.org/drawingml/2006/main" xmlns:p="http://schemas.openxmlformats.org/presentationml/2006/main" xmlns:r="http://schemas.openxmlformats.org/officeDocument/2006/relationships" xmlns:p14="http://schemas.microsoft.com/office/powerpoint/2010/main" xmlns:p15="http://schemas.microsoft.com/office/powerpoint/2012/main" xmlns:mc="http://schemas.openxmlformats.org/markup-compatibility/2006" type="twoObjOverTx" preserve="1">
-  <p:cSld name="Title, 2 Content over Content">
-    <p:spTree>
-      <p:nvGrpSpPr>
-        <p:cNvPr id="1" name=""/>
-        <p:cNvGrpSpPr/>
-        <p:nvPr/>
-      </p:nvGrpSpPr>
-      <p:grpSpPr>
-        <a:xfrm>
-          <a:off x="0" y="0"/>
-          <a:ext cx="0" cy="0"/>
-          <a:chOff x="0" y="0"/>
-          <a:chExt cx="0" cy="0"/>
-        </a:xfrm>
-      </p:grpSpPr>
-      <p:sp>
-        <p:nvSpPr>
-          <p:cNvPr id="125" name="PlaceHolder 1"/>
-          <p:cNvSpPr>
-            <a:spLocks noGrp="1"/>
-          </p:cNvSpPr>
-          <p:nvPr>
-            <p:ph type="title"/>
-          </p:nvPr>
-        </p:nvSpPr>
-        <p:spPr>
-          <a:xfrm>
-            <a:off x="609480" y="273600"/>
-            <a:ext cx="10972440" cy="1144800"/>
-          </a:xfrm>
-          <a:prstGeom prst="rect">
-            <a:avLst/>
-          </a:prstGeom>
-        </p:spPr>
-        <p:txBody>
-          <a:bodyPr lIns="0" rIns="0" tIns="0" bIns="0" anchor="ctr">
-            <a:noAutofit/>
-          </a:bodyPr>
-          <a:p>
-            <a:pPr algn="ctr"/>
-            <a:endParaRPr b="0" lang="en-US" sz="4400" spc="-1" strike="noStrike">
-              <a:latin typeface="Arial"/>
-            </a:endParaRPr>
-          </a:p>
-        </p:txBody>
-      </p:sp>
-      <p:sp>
-        <p:nvSpPr>
-          <p:cNvPr id="126" name="PlaceHolder 2"/>
-          <p:cNvSpPr>
-            <a:spLocks noGrp="1"/>
-          </p:cNvSpPr>
-          <p:nvPr>
-            <p:ph type="body"/>
-          </p:nvPr>
-        </p:nvSpPr>
-        <p:spPr>
-          <a:xfrm>
-            <a:off x="609480" y="1604520"/>
-            <a:ext cx="5354280" cy="1896840"/>
-          </a:xfrm>
-          <a:prstGeom prst="rect">
-            <a:avLst/>
-          </a:prstGeom>
-        </p:spPr>
-        <p:txBody>
-          <a:bodyPr lIns="0" rIns="0" tIns="0" bIns="0">
-            <a:normAutofit/>
-          </a:bodyPr>
-          <a:p>
-            <a:endParaRPr b="0" lang="en-US" sz="3200" spc="-1" strike="noStrike">
-              <a:latin typeface="Arial"/>
-            </a:endParaRPr>
-          </a:p>
-        </p:txBody>
-      </p:sp>
-      <p:sp>
-        <p:nvSpPr>
-          <p:cNvPr id="127" name="PlaceHolder 3"/>
-          <p:cNvSpPr>
-            <a:spLocks noGrp="1"/>
-          </p:cNvSpPr>
-          <p:nvPr>
-            <p:ph type="body"/>
-          </p:nvPr>
-        </p:nvSpPr>
-        <p:spPr>
-          <a:xfrm>
-            <a:off x="6231960" y="1604520"/>
-            <a:ext cx="5354280" cy="1896840"/>
-          </a:xfrm>
-          <a:prstGeom prst="rect">
-            <a:avLst/>
-          </a:prstGeom>
-        </p:spPr>
-        <p:txBody>
-          <a:bodyPr lIns="0" rIns="0" tIns="0" bIns="0">
-            <a:normAutofit/>
-          </a:bodyPr>
-          <a:p>
-            <a:endParaRPr b="0" lang="en-US" sz="3200" spc="-1" strike="noStrike">
-              <a:latin typeface="Arial"/>
-            </a:endParaRPr>
-          </a:p>
-        </p:txBody>
-      </p:sp>
-      <p:sp>
-        <p:nvSpPr>
-          <p:cNvPr id="128" name="PlaceHolder 4"/>
-          <p:cNvSpPr>
-            <a:spLocks noGrp="1"/>
-          </p:cNvSpPr>
-          <p:nvPr>
-            <p:ph type="body"/>
-          </p:nvPr>
-        </p:nvSpPr>
-        <p:spPr>
-          <a:xfrm>
-            <a:off x="609480" y="3682080"/>
-            <a:ext cx="10972440" cy="1896840"/>
-          </a:xfrm>
-          <a:prstGeom prst="rect">
-            <a:avLst/>
-          </a:prstGeom>
-        </p:spPr>
-        <p:txBody>
-          <a:bodyPr lIns="0" rIns="0" tIns="0" bIns="0">
-            <a:normAutofit/>
-          </a:bodyPr>
-          <a:p>
-            <a:endParaRPr b="0" lang="en-US" sz="3200" spc="-1" strike="noStrike">
-              <a:latin typeface="Arial"/>
-            </a:endParaRPr>
-          </a:p>
-        </p:txBody>
-      </p:sp>
-    </p:spTree>
-  </p:cSld>
-</p:sldLayout>
-</file>
-
-<file path=ppt/slideLayouts/slideLayout34.xml><?xml version="1.0" encoding="utf-8"?>
-<p:sldLayout xmlns:a="http://schemas.openxmlformats.org/drawingml/2006/main" xmlns:p="http://schemas.openxmlformats.org/presentationml/2006/main" xmlns:r="http://schemas.openxmlformats.org/officeDocument/2006/relationships" xmlns:p14="http://schemas.microsoft.com/office/powerpoint/2010/main" xmlns:p15="http://schemas.microsoft.com/office/powerpoint/2012/main" xmlns:mc="http://schemas.openxmlformats.org/markup-compatibility/2006" type="objOverTx" preserve="1">
-  <p:cSld name="Title, Content over Content">
-    <p:spTree>
-      <p:nvGrpSpPr>
-        <p:cNvPr id="1" name=""/>
-        <p:cNvGrpSpPr/>
-        <p:nvPr/>
-      </p:nvGrpSpPr>
-      <p:grpSpPr>
-        <a:xfrm>
-          <a:off x="0" y="0"/>
-          <a:ext cx="0" cy="0"/>
-          <a:chOff x="0" y="0"/>
-          <a:chExt cx="0" cy="0"/>
-        </a:xfrm>
-      </p:grpSpPr>
-      <p:sp>
-        <p:nvSpPr>
-          <p:cNvPr id="129" name="PlaceHolder 1"/>
-          <p:cNvSpPr>
-            <a:spLocks noGrp="1"/>
-          </p:cNvSpPr>
-          <p:nvPr>
-            <p:ph type="title"/>
-          </p:nvPr>
-        </p:nvSpPr>
-        <p:spPr>
-          <a:xfrm>
-            <a:off x="609480" y="273600"/>
-            <a:ext cx="10972440" cy="1144800"/>
-          </a:xfrm>
-          <a:prstGeom prst="rect">
-            <a:avLst/>
-          </a:prstGeom>
-        </p:spPr>
-        <p:txBody>
-          <a:bodyPr lIns="0" rIns="0" tIns="0" bIns="0" anchor="ctr">
-            <a:noAutofit/>
-          </a:bodyPr>
-          <a:p>
-            <a:pPr algn="ctr"/>
-            <a:endParaRPr b="0" lang="en-US" sz="4400" spc="-1" strike="noStrike">
-              <a:latin typeface="Arial"/>
-            </a:endParaRPr>
-          </a:p>
-        </p:txBody>
-      </p:sp>
-      <p:sp>
-        <p:nvSpPr>
-          <p:cNvPr id="130" name="PlaceHolder 2"/>
-          <p:cNvSpPr>
-            <a:spLocks noGrp="1"/>
-          </p:cNvSpPr>
-          <p:nvPr>
-            <p:ph type="body"/>
-          </p:nvPr>
-        </p:nvSpPr>
-        <p:spPr>
-          <a:xfrm>
-            <a:off x="609480" y="1604520"/>
-            <a:ext cx="10972440" cy="1896840"/>
-          </a:xfrm>
-          <a:prstGeom prst="rect">
-            <a:avLst/>
-          </a:prstGeom>
-        </p:spPr>
-        <p:txBody>
-          <a:bodyPr lIns="0" rIns="0" tIns="0" bIns="0">
-            <a:normAutofit/>
-          </a:bodyPr>
-          <a:p>
-            <a:endParaRPr b="0" lang="en-US" sz="3200" spc="-1" strike="noStrike">
-              <a:latin typeface="Arial"/>
-            </a:endParaRPr>
-          </a:p>
-        </p:txBody>
-      </p:sp>
-      <p:sp>
-        <p:nvSpPr>
-          <p:cNvPr id="131" name="PlaceHolder 3"/>
-          <p:cNvSpPr>
-            <a:spLocks noGrp="1"/>
-          </p:cNvSpPr>
-          <p:nvPr>
-            <p:ph type="body"/>
-          </p:nvPr>
-        </p:nvSpPr>
-        <p:spPr>
-          <a:xfrm>
-            <a:off x="609480" y="3682080"/>
-            <a:ext cx="10972440" cy="1896840"/>
-          </a:xfrm>
-          <a:prstGeom prst="rect">
-            <a:avLst/>
-          </a:prstGeom>
-        </p:spPr>
-        <p:txBody>
-          <a:bodyPr lIns="0" rIns="0" tIns="0" bIns="0">
-            <a:normAutofit/>
-          </a:bodyPr>
-          <a:p>
-            <a:endParaRPr b="0" lang="en-US" sz="3200" spc="-1" strike="noStrike">
-              <a:latin typeface="Arial"/>
-            </a:endParaRPr>
-          </a:p>
-        </p:txBody>
-      </p:sp>
-    </p:spTree>
-  </p:cSld>
-</p:sldLayout>
-</file>
-
-<file path=ppt/slideLayouts/slideLayout35.xml><?xml version="1.0" encoding="utf-8"?>
-<p:sldLayout xmlns:a="http://schemas.openxmlformats.org/drawingml/2006/main" xmlns:p="http://schemas.openxmlformats.org/presentationml/2006/main" xmlns:r="http://schemas.openxmlformats.org/officeDocument/2006/relationships" xmlns:p14="http://schemas.microsoft.com/office/powerpoint/2010/main" xmlns:p15="http://schemas.microsoft.com/office/powerpoint/2012/main" xmlns:mc="http://schemas.openxmlformats.org/markup-compatibility/2006" type="fourObj" preserve="1">
-  <p:cSld name="Title, 4 Content">
-    <p:spTree>
-      <p:nvGrpSpPr>
-        <p:cNvPr id="1" name=""/>
-        <p:cNvGrpSpPr/>
-        <p:nvPr/>
-      </p:nvGrpSpPr>
-      <p:grpSpPr>
-        <a:xfrm>
-          <a:off x="0" y="0"/>
-          <a:ext cx="0" cy="0"/>
-          <a:chOff x="0" y="0"/>
-          <a:chExt cx="0" cy="0"/>
-        </a:xfrm>
-      </p:grpSpPr>
-      <p:sp>
-        <p:nvSpPr>
-          <p:cNvPr id="132" name="PlaceHolder 1"/>
-          <p:cNvSpPr>
-            <a:spLocks noGrp="1"/>
-          </p:cNvSpPr>
-          <p:nvPr>
-            <p:ph type="title"/>
-          </p:nvPr>
-        </p:nvSpPr>
-        <p:spPr>
-          <a:xfrm>
-            <a:off x="609480" y="273600"/>
-            <a:ext cx="10972440" cy="1144800"/>
-          </a:xfrm>
-          <a:prstGeom prst="rect">
-            <a:avLst/>
-          </a:prstGeom>
-        </p:spPr>
-        <p:txBody>
-          <a:bodyPr lIns="0" rIns="0" tIns="0" bIns="0" anchor="ctr">
-            <a:noAutofit/>
-          </a:bodyPr>
-          <a:p>
-            <a:pPr algn="ctr"/>
-            <a:endParaRPr b="0" lang="en-US" sz="4400" spc="-1" strike="noStrike">
-              <a:latin typeface="Arial"/>
-            </a:endParaRPr>
-          </a:p>
-        </p:txBody>
-      </p:sp>
-      <p:sp>
-        <p:nvSpPr>
-          <p:cNvPr id="133" name="PlaceHolder 2"/>
-          <p:cNvSpPr>
-            <a:spLocks noGrp="1"/>
-          </p:cNvSpPr>
-          <p:nvPr>
-            <p:ph type="body"/>
-          </p:nvPr>
-        </p:nvSpPr>
-        <p:spPr>
-          <a:xfrm>
-            <a:off x="609480" y="1604520"/>
-            <a:ext cx="5354280" cy="1896840"/>
-          </a:xfrm>
-          <a:prstGeom prst="rect">
-            <a:avLst/>
-          </a:prstGeom>
-        </p:spPr>
-        <p:txBody>
-          <a:bodyPr lIns="0" rIns="0" tIns="0" bIns="0">
-            <a:normAutofit/>
-          </a:bodyPr>
-          <a:p>
-            <a:endParaRPr b="0" lang="en-US" sz="3200" spc="-1" strike="noStrike">
-              <a:latin typeface="Arial"/>
-            </a:endParaRPr>
-          </a:p>
-        </p:txBody>
-      </p:sp>
-      <p:sp>
-        <p:nvSpPr>
-          <p:cNvPr id="134" name="PlaceHolder 3"/>
-          <p:cNvSpPr>
-            <a:spLocks noGrp="1"/>
-          </p:cNvSpPr>
-          <p:nvPr>
-            <p:ph type="body"/>
-          </p:nvPr>
-        </p:nvSpPr>
-        <p:spPr>
-          <a:xfrm>
-            <a:off x="6231960" y="1604520"/>
-            <a:ext cx="5354280" cy="1896840"/>
-          </a:xfrm>
-          <a:prstGeom prst="rect">
-            <a:avLst/>
-          </a:prstGeom>
-        </p:spPr>
-        <p:txBody>
-          <a:bodyPr lIns="0" rIns="0" tIns="0" bIns="0">
-            <a:normAutofit/>
-          </a:bodyPr>
-          <a:p>
-            <a:endParaRPr b="0" lang="en-US" sz="3200" spc="-1" strike="noStrike">
-              <a:latin typeface="Arial"/>
-            </a:endParaRPr>
-          </a:p>
-        </p:txBody>
-      </p:sp>
-      <p:sp>
-        <p:nvSpPr>
-          <p:cNvPr id="135" name="PlaceHolder 4"/>
-          <p:cNvSpPr>
-            <a:spLocks noGrp="1"/>
-          </p:cNvSpPr>
-          <p:nvPr>
-            <p:ph type="body"/>
-          </p:nvPr>
-        </p:nvSpPr>
-        <p:spPr>
-          <a:xfrm>
-            <a:off x="609480" y="3682080"/>
-            <a:ext cx="5354280" cy="1896840"/>
-          </a:xfrm>
-          <a:prstGeom prst="rect">
-            <a:avLst/>
-          </a:prstGeom>
-        </p:spPr>
-        <p:txBody>
-          <a:bodyPr lIns="0" rIns="0" tIns="0" bIns="0">
-            <a:normAutofit/>
-          </a:bodyPr>
-          <a:p>
-            <a:endParaRPr b="0" lang="en-US" sz="3200" spc="-1" strike="noStrike">
-              <a:latin typeface="Arial"/>
-            </a:endParaRPr>
-          </a:p>
-        </p:txBody>
-      </p:sp>
-      <p:sp>
-        <p:nvSpPr>
-          <p:cNvPr id="136" name="PlaceHolder 5"/>
-          <p:cNvSpPr>
-            <a:spLocks noGrp="1"/>
-          </p:cNvSpPr>
-          <p:nvPr>
-            <p:ph type="body"/>
-          </p:nvPr>
-        </p:nvSpPr>
-        <p:spPr>
-          <a:xfrm>
-            <a:off x="6231960" y="3682080"/>
-            <a:ext cx="5354280" cy="1896840"/>
-          </a:xfrm>
-          <a:prstGeom prst="rect">
-            <a:avLst/>
-          </a:prstGeom>
-        </p:spPr>
-        <p:txBody>
-          <a:bodyPr lIns="0" rIns="0" tIns="0" bIns="0">
-            <a:normAutofit/>
-          </a:bodyPr>
-          <a:p>
-            <a:endParaRPr b="0" lang="en-US" sz="3200" spc="-1" strike="noStrike">
-              <a:latin typeface="Arial"/>
-            </a:endParaRPr>
-          </a:p>
-        </p:txBody>
-      </p:sp>
-    </p:spTree>
-  </p:cSld>
-</p:sldLayout>
-</file>
-
-<file path=ppt/slideLayouts/slideLayout36.xml><?xml version="1.0" encoding="utf-8"?>
-<p:sldLayout xmlns:a="http://schemas.openxmlformats.org/drawingml/2006/main" xmlns:p="http://schemas.openxmlformats.org/presentationml/2006/main" xmlns:r="http://schemas.openxmlformats.org/officeDocument/2006/relationships" xmlns:p14="http://schemas.microsoft.com/office/powerpoint/2010/main" xmlns:p15="http://schemas.microsoft.com/office/powerpoint/2012/main" xmlns:mc="http://schemas.openxmlformats.org/markup-compatibility/2006" type="blank" preserve="1">
-  <p:cSld name="Title, 6 Content">
-    <p:spTree>
-      <p:nvGrpSpPr>
-        <p:cNvPr id="1" name=""/>
-        <p:cNvGrpSpPr/>
-        <p:nvPr/>
-      </p:nvGrpSpPr>
-      <p:grpSpPr>
-        <a:xfrm>
-          <a:off x="0" y="0"/>
-          <a:ext cx="0" cy="0"/>
-          <a:chOff x="0" y="0"/>
-          <a:chExt cx="0" cy="0"/>
-        </a:xfrm>
-      </p:grpSpPr>
-      <p:sp>
-        <p:nvSpPr>
-          <p:cNvPr id="137" name="PlaceHolder 1"/>
-          <p:cNvSpPr>
-            <a:spLocks noGrp="1"/>
-          </p:cNvSpPr>
-          <p:nvPr>
-            <p:ph type="title"/>
-          </p:nvPr>
-        </p:nvSpPr>
-        <p:spPr>
-          <a:xfrm>
-            <a:off x="609480" y="273600"/>
-            <a:ext cx="10972440" cy="1144800"/>
-          </a:xfrm>
-          <a:prstGeom prst="rect">
-            <a:avLst/>
-          </a:prstGeom>
-        </p:spPr>
-        <p:txBody>
-          <a:bodyPr lIns="0" rIns="0" tIns="0" bIns="0" anchor="ctr">
-            <a:noAutofit/>
-          </a:bodyPr>
-          <a:p>
-            <a:pPr algn="ctr"/>
-            <a:endParaRPr b="0" lang="en-US" sz="4400" spc="-1" strike="noStrike">
-              <a:latin typeface="Arial"/>
-            </a:endParaRPr>
-          </a:p>
-        </p:txBody>
-      </p:sp>
-      <p:sp>
-        <p:nvSpPr>
-          <p:cNvPr id="138" name="PlaceHolder 2"/>
-          <p:cNvSpPr>
-            <a:spLocks noGrp="1"/>
-          </p:cNvSpPr>
-          <p:nvPr>
-            <p:ph type="body"/>
-          </p:nvPr>
-        </p:nvSpPr>
-        <p:spPr>
-          <a:xfrm>
-            <a:off x="609480" y="1604520"/>
-            <a:ext cx="3533040" cy="1896840"/>
-          </a:xfrm>
-          <a:prstGeom prst="rect">
-            <a:avLst/>
-          </a:prstGeom>
-        </p:spPr>
-        <p:txBody>
-          <a:bodyPr lIns="0" rIns="0" tIns="0" bIns="0">
-            <a:normAutofit/>
-          </a:bodyPr>
-          <a:p>
-            <a:endParaRPr b="0" lang="en-US" sz="3200" spc="-1" strike="noStrike">
-              <a:latin typeface="Arial"/>
-            </a:endParaRPr>
-          </a:p>
-        </p:txBody>
-      </p:sp>
-      <p:sp>
-        <p:nvSpPr>
-          <p:cNvPr id="139" name="PlaceHolder 3"/>
-          <p:cNvSpPr>
-            <a:spLocks noGrp="1"/>
-          </p:cNvSpPr>
-          <p:nvPr>
-            <p:ph type="body"/>
-          </p:nvPr>
-        </p:nvSpPr>
-        <p:spPr>
-          <a:xfrm>
-            <a:off x="4319640" y="1604520"/>
-            <a:ext cx="3533040" cy="1896840"/>
-          </a:xfrm>
-          <a:prstGeom prst="rect">
-            <a:avLst/>
-          </a:prstGeom>
-        </p:spPr>
-        <p:txBody>
-          <a:bodyPr lIns="0" rIns="0" tIns="0" bIns="0">
-            <a:normAutofit/>
-          </a:bodyPr>
-          <a:p>
-            <a:endParaRPr b="0" lang="en-US" sz="3200" spc="-1" strike="noStrike">
-              <a:latin typeface="Arial"/>
-            </a:endParaRPr>
-          </a:p>
-        </p:txBody>
-      </p:sp>
-      <p:sp>
-        <p:nvSpPr>
-          <p:cNvPr id="140" name="PlaceHolder 4"/>
-          <p:cNvSpPr>
-            <a:spLocks noGrp="1"/>
-          </p:cNvSpPr>
-          <p:nvPr>
-            <p:ph type="body"/>
-          </p:nvPr>
-        </p:nvSpPr>
-        <p:spPr>
-          <a:xfrm>
-            <a:off x="8029800" y="1604520"/>
-            <a:ext cx="3533040" cy="1896840"/>
-          </a:xfrm>
-          <a:prstGeom prst="rect">
-            <a:avLst/>
-          </a:prstGeom>
-        </p:spPr>
-        <p:txBody>
-          <a:bodyPr lIns="0" rIns="0" tIns="0" bIns="0">
-            <a:normAutofit/>
-          </a:bodyPr>
-          <a:p>
-            <a:endParaRPr b="0" lang="en-US" sz="3200" spc="-1" strike="noStrike">
-              <a:latin typeface="Arial"/>
-            </a:endParaRPr>
-          </a:p>
-        </p:txBody>
-      </p:sp>
-      <p:sp>
-        <p:nvSpPr>
-          <p:cNvPr id="141" name="PlaceHolder 5"/>
-          <p:cNvSpPr>
-            <a:spLocks noGrp="1"/>
-          </p:cNvSpPr>
-          <p:nvPr>
-            <p:ph type="body"/>
-          </p:nvPr>
-        </p:nvSpPr>
-        <p:spPr>
-          <a:xfrm>
-            <a:off x="609480" y="3682080"/>
-            <a:ext cx="3533040" cy="1896840"/>
-          </a:xfrm>
-          <a:prstGeom prst="rect">
-            <a:avLst/>
-          </a:prstGeom>
-        </p:spPr>
-        <p:txBody>
-          <a:bodyPr lIns="0" rIns="0" tIns="0" bIns="0">
-            <a:normAutofit/>
-          </a:bodyPr>
-          <a:p>
-            <a:endParaRPr b="0" lang="en-US" sz="3200" spc="-1" strike="noStrike">
-              <a:latin typeface="Arial"/>
-            </a:endParaRPr>
-          </a:p>
-        </p:txBody>
-      </p:sp>
-      <p:sp>
-        <p:nvSpPr>
-          <p:cNvPr id="142" name="PlaceHolder 6"/>
-          <p:cNvSpPr>
-            <a:spLocks noGrp="1"/>
-          </p:cNvSpPr>
-          <p:nvPr>
-            <p:ph type="body"/>
-          </p:nvPr>
-        </p:nvSpPr>
-        <p:spPr>
-          <a:xfrm>
-            <a:off x="4319640" y="3682080"/>
-            <a:ext cx="3533040" cy="1896840"/>
-          </a:xfrm>
-          <a:prstGeom prst="rect">
-            <a:avLst/>
-          </a:prstGeom>
-        </p:spPr>
-        <p:txBody>
-          <a:bodyPr lIns="0" rIns="0" tIns="0" bIns="0">
-            <a:normAutofit/>
-          </a:bodyPr>
-          <a:p>
-            <a:endParaRPr b="0" lang="en-US" sz="3200" spc="-1" strike="noStrike">
-              <a:latin typeface="Arial"/>
-            </a:endParaRPr>
-          </a:p>
-        </p:txBody>
-      </p:sp>
-      <p:sp>
-        <p:nvSpPr>
-          <p:cNvPr id="143" name="PlaceHolder 7"/>
-          <p:cNvSpPr>
-            <a:spLocks noGrp="1"/>
-          </p:cNvSpPr>
-          <p:nvPr>
-            <p:ph type="body"/>
-          </p:nvPr>
-        </p:nvSpPr>
-        <p:spPr>
-          <a:xfrm>
-            <a:off x="8029800" y="3682080"/>
-            <a:ext cx="3533040" cy="1896840"/>
           </a:xfrm>
           <a:prstGeom prst="rect">
             <a:avLst/>
@@ -4489,7 +3136,7 @@
         <p:spPr>
           <a:xfrm>
             <a:off x="0" y="0"/>
-            <a:ext cx="6369840" cy="6496560"/>
+            <a:ext cx="6369480" cy="6496200"/>
           </a:xfrm>
           <a:prstGeom prst="rect">
             <a:avLst/>
@@ -4533,8 +3180,8 @@
         </p:blipFill>
         <p:spPr>
           <a:xfrm flipH="1">
-            <a:off x="6371640" y="0"/>
-            <a:ext cx="5820480" cy="6496560"/>
+            <a:off x="6372000" y="0"/>
+            <a:ext cx="5820120" cy="6496200"/>
           </a:xfrm>
           <a:prstGeom prst="rect">
             <a:avLst/>
@@ -4553,7 +3200,7 @@
         <p:spPr>
           <a:xfrm>
             <a:off x="1290960" y="4502520"/>
-            <a:ext cx="2062080" cy="364320"/>
+            <a:ext cx="2061720" cy="363960"/>
           </a:xfrm>
           <a:prstGeom prst="rect">
             <a:avLst/>
@@ -4615,7 +3262,7 @@
         <p:spPr>
           <a:xfrm>
             <a:off x="9836280" y="5657760"/>
-            <a:ext cx="1896480" cy="912960"/>
+            <a:ext cx="1896120" cy="912600"/>
           </a:xfrm>
           <a:prstGeom prst="rect">
             <a:avLst/>
@@ -4666,7 +3313,7 @@
         <p:spPr>
           <a:xfrm>
             <a:off x="626040" y="4453200"/>
-            <a:ext cx="534600" cy="534600"/>
+            <a:ext cx="534240" cy="534240"/>
           </a:xfrm>
           <a:prstGeom prst="ellipse">
             <a:avLst/>
@@ -4694,7 +3341,7 @@
         <p:spPr>
           <a:xfrm>
             <a:off x="3089880" y="4465800"/>
-            <a:ext cx="534600" cy="534600"/>
+            <a:ext cx="534240" cy="534240"/>
           </a:xfrm>
           <a:prstGeom prst="ellipse">
             <a:avLst/>
@@ -4722,7 +3369,7 @@
         <p:spPr>
           <a:xfrm>
             <a:off x="618120" y="5220360"/>
-            <a:ext cx="534600" cy="534600"/>
+            <a:ext cx="534240" cy="534240"/>
           </a:xfrm>
           <a:prstGeom prst="ellipse">
             <a:avLst/>
@@ -4750,7 +3397,7 @@
         <p:spPr>
           <a:xfrm>
             <a:off x="3108600" y="5222520"/>
-            <a:ext cx="534600" cy="534600"/>
+            <a:ext cx="534240" cy="534240"/>
           </a:xfrm>
           <a:prstGeom prst="ellipse">
             <a:avLst/>
@@ -4782,7 +3429,7 @@
         <p:spPr>
           <a:xfrm>
             <a:off x="3114360" y="4456440"/>
-            <a:ext cx="531720" cy="531720"/>
+            <a:ext cx="531360" cy="531360"/>
           </a:xfrm>
           <a:prstGeom prst="rect">
             <a:avLst/>
@@ -4805,7 +3452,7 @@
         <p:spPr>
           <a:xfrm>
             <a:off x="660600" y="4494600"/>
-            <a:ext cx="465120" cy="465120"/>
+            <a:ext cx="464760" cy="464760"/>
           </a:xfrm>
           <a:prstGeom prst="rect">
             <a:avLst/>
@@ -4828,7 +3475,7 @@
         <p:spPr>
           <a:xfrm>
             <a:off x="585000" y="5178240"/>
-            <a:ext cx="612360" cy="612360"/>
+            <a:ext cx="612000" cy="612000"/>
           </a:xfrm>
           <a:prstGeom prst="rect">
             <a:avLst/>
@@ -4851,7 +3498,7 @@
         <p:spPr>
           <a:xfrm>
             <a:off x="3065400" y="5202720"/>
-            <a:ext cx="608760" cy="608760"/>
+            <a:ext cx="608400" cy="608400"/>
           </a:xfrm>
           <a:prstGeom prst="rect">
             <a:avLst/>
@@ -4870,7 +3517,7 @@
         <p:spPr>
           <a:xfrm>
             <a:off x="3751560" y="4531320"/>
-            <a:ext cx="2062080" cy="364320"/>
+            <a:ext cx="2061720" cy="363960"/>
           </a:xfrm>
           <a:prstGeom prst="rect">
             <a:avLst/>
@@ -4932,7 +3579,7 @@
         <p:spPr>
           <a:xfrm>
             <a:off x="1288440" y="5300280"/>
-            <a:ext cx="2062080" cy="364320"/>
+            <a:ext cx="2061720" cy="363960"/>
           </a:xfrm>
           <a:prstGeom prst="rect">
             <a:avLst/>
@@ -4994,7 +3641,7 @@
         <p:spPr>
           <a:xfrm>
             <a:off x="3754800" y="5299560"/>
-            <a:ext cx="2062080" cy="364320"/>
+            <a:ext cx="2061720" cy="363960"/>
           </a:xfrm>
           <a:prstGeom prst="rect">
             <a:avLst/>
@@ -5056,7 +3703,7 @@
         <p:spPr>
           <a:xfrm>
             <a:off x="0" y="3069000"/>
-            <a:ext cx="6369840" cy="731520"/>
+            <a:ext cx="6369480" cy="731160"/>
           </a:xfrm>
           <a:prstGeom prst="rect">
             <a:avLst/>
@@ -5094,7 +3741,7 @@
         <p:spPr>
           <a:xfrm>
             <a:off x="153000" y="3142800"/>
-            <a:ext cx="6007320" cy="912600"/>
+            <a:ext cx="6006960" cy="912600"/>
           </a:xfrm>
           <a:prstGeom prst="rect">
             <a:avLst/>
@@ -5156,7 +3803,7 @@
         <p:spPr>
           <a:xfrm>
             <a:off x="11560320" y="5795280"/>
-            <a:ext cx="299520" cy="364320"/>
+            <a:ext cx="299160" cy="363960"/>
           </a:xfrm>
           <a:prstGeom prst="rect">
             <a:avLst/>
@@ -5213,7 +3860,7 @@
         <p:spPr>
           <a:xfrm>
             <a:off x="0" y="6495120"/>
-            <a:ext cx="12191400" cy="363240"/>
+            <a:ext cx="12191040" cy="362880"/>
           </a:xfrm>
           <a:prstGeom prst="rect">
             <a:avLst/>
@@ -5232,7 +3879,7 @@
         <p:spPr>
           <a:xfrm>
             <a:off x="10975680" y="6549120"/>
-            <a:ext cx="852840" cy="454680"/>
+            <a:ext cx="852480" cy="454680"/>
           </a:xfrm>
           <a:prstGeom prst="rect">
             <a:avLst/>
@@ -5290,7 +3937,7 @@
         <p:spPr>
           <a:xfrm>
             <a:off x="316800" y="6517440"/>
-            <a:ext cx="324000" cy="324000"/>
+            <a:ext cx="323640" cy="323640"/>
           </a:xfrm>
           <a:prstGeom prst="rect">
             <a:avLst/>
@@ -5309,7 +3956,7 @@
         <p:spPr>
           <a:xfrm>
             <a:off x="585000" y="6551280"/>
-            <a:ext cx="3256920" cy="242280"/>
+            <a:ext cx="3256560" cy="241920"/>
           </a:xfrm>
           <a:prstGeom prst="rect">
             <a:avLst/>
@@ -5626,7 +4273,7 @@
         <p:spPr>
           <a:xfrm>
             <a:off x="0" y="720"/>
-            <a:ext cx="12191400" cy="950400"/>
+            <a:ext cx="12191040" cy="950040"/>
           </a:xfrm>
           <a:prstGeom prst="rect">
             <a:avLst/>
@@ -5651,7 +4298,7 @@
         <p:spPr>
           <a:xfrm>
             <a:off x="0" y="6495120"/>
-            <a:ext cx="12191400" cy="363240"/>
+            <a:ext cx="12191040" cy="362880"/>
           </a:xfrm>
           <a:prstGeom prst="rect">
             <a:avLst/>
@@ -5670,7 +4317,7 @@
         <p:spPr>
           <a:xfrm>
             <a:off x="10575360" y="31680"/>
-            <a:ext cx="1428840" cy="699480"/>
+            <a:ext cx="1428480" cy="699120"/>
           </a:xfrm>
           <a:prstGeom prst="rect">
             <a:avLst/>
@@ -5721,7 +4368,7 @@
         <p:spPr>
           <a:xfrm>
             <a:off x="10975680" y="6549120"/>
-            <a:ext cx="852840" cy="454680"/>
+            <a:ext cx="852480" cy="454680"/>
           </a:xfrm>
           <a:prstGeom prst="rect">
             <a:avLst/>
@@ -5779,7 +4426,7 @@
         <p:spPr>
           <a:xfrm>
             <a:off x="316800" y="6517440"/>
-            <a:ext cx="324000" cy="324000"/>
+            <a:ext cx="323640" cy="323640"/>
           </a:xfrm>
           <a:prstGeom prst="rect">
             <a:avLst/>
@@ -6021,228 +4668,6 @@
     <p:sldLayoutId id="2147483671" r:id="rId14"/>
     <p:sldLayoutId id="2147483672" r:id="rId15"/>
     <p:sldLayoutId id="2147483673" r:id="rId16"/>
-  </p:sldLayoutIdLst>
-</p:sldMaster>
-</file>
-
-<file path=ppt/slideMasters/slideMaster3.xml><?xml version="1.0" encoding="utf-8"?>
-<p:sldMaster xmlns:a="http://schemas.openxmlformats.org/drawingml/2006/main" xmlns:p="http://schemas.openxmlformats.org/presentationml/2006/main" xmlns:r="http://schemas.openxmlformats.org/officeDocument/2006/relationships" xmlns:p14="http://schemas.microsoft.com/office/powerpoint/2010/main" xmlns:p15="http://schemas.microsoft.com/office/powerpoint/2012/main" xmlns:mc="http://schemas.openxmlformats.org/markup-compatibility/2006">
-  <p:cSld>
-    <p:bg>
-      <p:bgPr>
-        <a:solidFill>
-          <a:srgbClr val="ffffff"/>
-        </a:solidFill>
-      </p:bgPr>
-    </p:bg>
-    <p:spTree>
-      <p:nvGrpSpPr>
-        <p:cNvPr id="1" name=""/>
-        <p:cNvGrpSpPr/>
-        <p:nvPr/>
-      </p:nvGrpSpPr>
-      <p:grpSpPr>
-        <a:xfrm>
-          <a:off x="0" y="0"/>
-          <a:ext cx="0" cy="0"/>
-          <a:chOff x="0" y="0"/>
-          <a:chExt cx="0" cy="0"/>
-        </a:xfrm>
-      </p:grpSpPr>
-      <p:pic>
-        <p:nvPicPr>
-          <p:cNvPr id="103" name="Picture 13" descr="A picture containing building, outdoor, light, city&#10;&#10;Description automatically generated"/>
-          <p:cNvPicPr/>
-          <p:nvPr/>
-        </p:nvPicPr>
-        <p:blipFill>
-          <a:blip r:embed="rId2">
-            <a:alphaModFix amt="85000"/>
-          </a:blip>
-          <a:stretch/>
-        </p:blipFill>
-        <p:spPr>
-          <a:xfrm>
-            <a:off x="0" y="720"/>
-            <a:ext cx="12191400" cy="950400"/>
-          </a:xfrm>
-          <a:prstGeom prst="rect">
-            <a:avLst/>
-          </a:prstGeom>
-          <a:ln w="0">
-            <a:noFill/>
-          </a:ln>
-        </p:spPr>
-      </p:pic>
-      <p:pic>
-        <p:nvPicPr>
-          <p:cNvPr id="104" name="Picture 12" descr="A picture containing building, outdoor, light, city&#10;&#10;Description automatically generated"/>
-          <p:cNvPicPr/>
-          <p:nvPr/>
-        </p:nvPicPr>
-        <p:blipFill>
-          <a:blip r:embed="rId3">
-            <a:alphaModFix amt="85000"/>
-          </a:blip>
-          <a:stretch/>
-        </p:blipFill>
-        <p:spPr>
-          <a:xfrm>
-            <a:off x="0" y="6495120"/>
-            <a:ext cx="12191400" cy="363240"/>
-          </a:xfrm>
-          <a:prstGeom prst="rect">
-            <a:avLst/>
-          </a:prstGeom>
-          <a:ln w="0">
-            <a:noFill/>
-          </a:ln>
-        </p:spPr>
-      </p:pic>
-      <p:sp>
-        <p:nvSpPr>
-          <p:cNvPr id="105" name="CustomShape 1"/>
-          <p:cNvSpPr/>
-          <p:nvPr/>
-        </p:nvSpPr>
-        <p:spPr>
-          <a:xfrm>
-            <a:off x="10575360" y="31680"/>
-            <a:ext cx="1428840" cy="699480"/>
-          </a:xfrm>
-          <a:prstGeom prst="rect">
-            <a:avLst/>
-          </a:prstGeom>
-          <a:noFill/>
-          <a:ln w="0">
-            <a:noFill/>
-          </a:ln>
-        </p:spPr>
-        <p:style>
-          <a:lnRef idx="0"/>
-          <a:fillRef idx="0"/>
-          <a:effectRef idx="0"/>
-          <a:fontRef idx="minor"/>
-        </p:style>
-        <p:txBody>
-          <a:bodyPr lIns="90000" rIns="90000" tIns="45000" bIns="45000">
-            <a:spAutoFit/>
-          </a:bodyPr>
-          <a:p>
-            <a:pPr algn="r">
-              <a:lnSpc>
-                <a:spcPct val="100000"/>
-              </a:lnSpc>
-            </a:pPr>
-            <a:r>
-              <a:rPr b="1" lang="en-US" sz="4000" spc="-1" strike="noStrike">
-                <a:solidFill>
-                  <a:srgbClr val="ffffff"/>
-                </a:solidFill>
-                <a:latin typeface="Times New Roman"/>
-                <a:ea typeface="DejaVu Sans"/>
-              </a:rPr>
-              <a:t>OGC</a:t>
-            </a:r>
-            <a:endParaRPr b="0" lang="en-US" sz="4000" spc="-1" strike="noStrike">
-              <a:latin typeface="Arial"/>
-            </a:endParaRPr>
-          </a:p>
-        </p:txBody>
-      </p:sp>
-      <p:sp>
-        <p:nvSpPr>
-          <p:cNvPr id="106" name="CustomShape 2"/>
-          <p:cNvSpPr/>
-          <p:nvPr/>
-        </p:nvSpPr>
-        <p:spPr>
-          <a:xfrm>
-            <a:off x="10975680" y="6549120"/>
-            <a:ext cx="852840" cy="454680"/>
-          </a:xfrm>
-          <a:prstGeom prst="rect">
-            <a:avLst/>
-          </a:prstGeom>
-          <a:noFill/>
-          <a:ln w="0">
-            <a:noFill/>
-          </a:ln>
-        </p:spPr>
-        <p:style>
-          <a:lnRef idx="0"/>
-          <a:fillRef idx="0"/>
-          <a:effectRef idx="0"/>
-          <a:fontRef idx="minor"/>
-        </p:style>
-        <p:txBody>
-          <a:bodyPr lIns="90000" rIns="90000" tIns="45000" bIns="45000">
-            <a:spAutoFit/>
-          </a:bodyPr>
-          <a:p>
-            <a:pPr>
-              <a:lnSpc>
-                <a:spcPct val="100000"/>
-              </a:lnSpc>
-              <a:tabLst>
-                <a:tab algn="l" pos="0"/>
-              </a:tabLst>
-            </a:pPr>
-            <a:r>
-              <a:rPr b="0" lang="en-US" sz="1200" spc="-1" strike="noStrike">
-                <a:solidFill>
-                  <a:srgbClr val="f2f2f2"/>
-                </a:solidFill>
-                <a:latin typeface="Lato"/>
-                <a:ea typeface="DejaVu Sans"/>
-              </a:rPr>
-              <a:t>ogc.org  |</a:t>
-            </a:r>
-            <a:endParaRPr b="0" lang="en-US" sz="1200" spc="-1" strike="noStrike">
-              <a:latin typeface="Arial"/>
-            </a:endParaRPr>
-          </a:p>
-        </p:txBody>
-      </p:sp>
-      <p:pic>
-        <p:nvPicPr>
-          <p:cNvPr id="107" name="Picture 11" descr="A picture containing building, drawing, window&#10;&#10;Description automatically generated"/>
-          <p:cNvPicPr/>
-          <p:nvPr/>
-        </p:nvPicPr>
-        <p:blipFill>
-          <a:blip r:embed="rId4"/>
-          <a:stretch/>
-        </p:blipFill>
-        <p:spPr>
-          <a:xfrm>
-            <a:off x="316800" y="6517440"/>
-            <a:ext cx="324000" cy="324000"/>
-          </a:xfrm>
-          <a:prstGeom prst="rect">
-            <a:avLst/>
-          </a:prstGeom>
-          <a:ln w="0">
-            <a:noFill/>
-          </a:ln>
-        </p:spPr>
-      </p:pic>
-    </p:spTree>
-  </p:cSld>
-  <p:clrMap bg1="lt1" bg2="lt2" tx1="dk1" tx2="dk2" accent1="accent1" accent2="accent2" accent3="accent3" accent4="accent4" accent5="accent5" accent6="accent6" hlink="hlink" folHlink="folHlink"/>
-  <p:sldLayoutIdLst>
-    <p:sldLayoutId id="2147483675" r:id="rId5"/>
-    <p:sldLayoutId id="2147483676" r:id="rId6"/>
-    <p:sldLayoutId id="2147483677" r:id="rId7"/>
-    <p:sldLayoutId id="2147483678" r:id="rId8"/>
-    <p:sldLayoutId id="2147483679" r:id="rId9"/>
-    <p:sldLayoutId id="2147483680" r:id="rId10"/>
-    <p:sldLayoutId id="2147483681" r:id="rId11"/>
-    <p:sldLayoutId id="2147483682" r:id="rId12"/>
-    <p:sldLayoutId id="2147483683" r:id="rId13"/>
-    <p:sldLayoutId id="2147483684" r:id="rId14"/>
-    <p:sldLayoutId id="2147483685" r:id="rId15"/>
-    <p:sldLayoutId id="2147483686" r:id="rId16"/>
   </p:sldLayoutIdLst>
 </p:sldMaster>
 </file>
@@ -6266,14 +4691,14 @@
       </p:grpSpPr>
       <p:sp>
         <p:nvSpPr>
-          <p:cNvPr id="150" name="CustomShape 1"/>
+          <p:cNvPr id="109" name="CustomShape 1"/>
           <p:cNvSpPr/>
           <p:nvPr/>
         </p:nvSpPr>
         <p:spPr>
           <a:xfrm>
             <a:off x="0" y="794880"/>
-            <a:ext cx="6216840" cy="1491120"/>
+            <a:ext cx="6216480" cy="1491120"/>
           </a:xfrm>
           <a:prstGeom prst="rect">
             <a:avLst/>
@@ -6337,14 +4762,14 @@
       </p:sp>
       <p:sp>
         <p:nvSpPr>
-          <p:cNvPr id="151" name="CustomShape 2"/>
+          <p:cNvPr id="110" name="CustomShape 2"/>
           <p:cNvSpPr/>
           <p:nvPr/>
         </p:nvSpPr>
         <p:spPr>
           <a:xfrm>
             <a:off x="153000" y="2347920"/>
-            <a:ext cx="6216840" cy="760680"/>
+            <a:ext cx="6216480" cy="760320"/>
           </a:xfrm>
           <a:prstGeom prst="rect">
             <a:avLst/>
@@ -6438,14 +4863,14 @@
       </p:grpSpPr>
       <p:sp>
         <p:nvSpPr>
-          <p:cNvPr id="168" name="CustomShape 1"/>
+          <p:cNvPr id="127" name="CustomShape 1"/>
           <p:cNvSpPr/>
           <p:nvPr/>
         </p:nvSpPr>
         <p:spPr>
           <a:xfrm>
             <a:off x="223560" y="55440"/>
-            <a:ext cx="10514880" cy="765000"/>
+            <a:ext cx="10514520" cy="764640"/>
           </a:xfrm>
           <a:prstGeom prst="rect">
             <a:avLst/>
@@ -6477,8 +4902,9 @@
                   <a:srgbClr val="f2f2f2"/>
                 </a:solidFill>
                 <a:latin typeface="Lato"/>
-              </a:rPr>
-              <a:t>Block 3</a:t>
+                <a:ea typeface="DejaVu Sans"/>
+              </a:rPr>
+              <a:t>Block 1</a:t>
             </a:r>
             <a:endParaRPr b="0" lang="en-US" sz="3600" spc="-1" strike="noStrike">
               <a:latin typeface="Arial"/>
@@ -6488,14 +4914,14 @@
       </p:sp>
       <p:sp>
         <p:nvSpPr>
-          <p:cNvPr id="169" name="CustomShape 2"/>
+          <p:cNvPr id="128" name="CustomShape 2"/>
           <p:cNvSpPr/>
           <p:nvPr/>
         </p:nvSpPr>
         <p:spPr>
           <a:xfrm>
             <a:off x="334080" y="1162800"/>
-            <a:ext cx="10514880" cy="4350600"/>
+            <a:ext cx="10514520" cy="4350240"/>
           </a:xfrm>
           <a:prstGeom prst="rect">
             <a:avLst/>
@@ -6516,7 +4942,7 @@
             <a:noAutofit/>
           </a:bodyPr>
           <a:p>
-            <a:pPr marL="228600" indent="-227880">
+            <a:pPr marL="228600" indent="-227520">
               <a:lnSpc>
                 <a:spcPct val="100000"/>
               </a:lnSpc>
@@ -6529,12 +4955,61 @@
               <a:buFont typeface="Arial"/>
               <a:buChar char="•"/>
             </a:pPr>
-            <a:endParaRPr b="0" lang="en-US" sz="1800" spc="-1" strike="noStrike">
-              <a:latin typeface="Arial"/>
-            </a:endParaRPr>
-          </a:p>
-          <a:p>
-            <a:pPr marL="228600" indent="-227880">
+            <a:r>
+              <a:rPr b="0" lang="en-US" sz="2800" spc="-1" strike="noStrike">
+                <a:solidFill>
+                  <a:srgbClr val="092745"/>
+                </a:solidFill>
+                <a:latin typeface="Arial"/>
+                <a:ea typeface="DejaVu Sans"/>
+              </a:rPr>
+              <a:t>Understanding/Playing around with process execution</a:t>
+            </a:r>
+            <a:endParaRPr b="0" lang="en-US" sz="2800" spc="-1" strike="noStrike">
+              <a:latin typeface="Arial"/>
+            </a:endParaRPr>
+          </a:p>
+          <a:p>
+            <a:pPr>
+              <a:lnSpc>
+                <a:spcPct val="100000"/>
+              </a:lnSpc>
+              <a:spcAft>
+                <a:spcPts val="601"/>
+              </a:spcAft>
+            </a:pPr>
+            <a:endParaRPr b="0" lang="en-US" sz="2800" spc="-1" strike="noStrike">
+              <a:latin typeface="Arial"/>
+            </a:endParaRPr>
+          </a:p>
+          <a:p>
+            <a:pPr>
+              <a:lnSpc>
+                <a:spcPct val="100000"/>
+              </a:lnSpc>
+              <a:spcAft>
+                <a:spcPts val="601"/>
+              </a:spcAft>
+            </a:pPr>
+            <a:endParaRPr b="0" lang="en-US" sz="2800" spc="-1" strike="noStrike">
+              <a:latin typeface="Arial"/>
+            </a:endParaRPr>
+          </a:p>
+          <a:p>
+            <a:pPr>
+              <a:lnSpc>
+                <a:spcPct val="100000"/>
+              </a:lnSpc>
+              <a:spcAft>
+                <a:spcPts val="601"/>
+              </a:spcAft>
+            </a:pPr>
+            <a:endParaRPr b="0" lang="en-US" sz="2800" spc="-1" strike="noStrike">
+              <a:latin typeface="Arial"/>
+            </a:endParaRPr>
+          </a:p>
+          <a:p>
+            <a:pPr marL="228600" indent="-227520">
               <a:lnSpc>
                 <a:spcPct val="100000"/>
               </a:lnSpc>
@@ -6547,12 +5022,22 @@
               <a:buFont typeface="Arial"/>
               <a:buChar char="•"/>
             </a:pPr>
-            <a:endParaRPr b="0" lang="en-US" sz="1800" spc="-1" strike="noStrike">
-              <a:latin typeface="Arial"/>
-            </a:endParaRPr>
-          </a:p>
-          <a:p>
-            <a:pPr marL="228600" indent="-227880">
+            <a:r>
+              <a:rPr b="0" lang="en-US" sz="2800" spc="-1" strike="noStrike">
+                <a:solidFill>
+                  <a:srgbClr val="092745"/>
+                </a:solidFill>
+                <a:latin typeface="Arial"/>
+                <a:ea typeface="DejaVu Sans"/>
+              </a:rPr>
+              <a:t>Use curl or the swagger-uis to execute processes, i.e. create new jobs</a:t>
+            </a:r>
+            <a:endParaRPr b="0" lang="en-US" sz="2800" spc="-1" strike="noStrike">
+              <a:latin typeface="Arial"/>
+            </a:endParaRPr>
+          </a:p>
+          <a:p>
+            <a:pPr marL="228600" indent="-227520">
               <a:lnSpc>
                 <a:spcPct val="100000"/>
               </a:lnSpc>
@@ -6565,12 +5050,22 @@
               <a:buFont typeface="Arial"/>
               <a:buChar char="•"/>
             </a:pPr>
-            <a:endParaRPr b="0" lang="en-US" sz="1800" spc="-1" strike="noStrike">
-              <a:latin typeface="Arial"/>
-            </a:endParaRPr>
-          </a:p>
-          <a:p>
-            <a:pPr marL="228600" indent="-227880">
+            <a:r>
+              <a:rPr b="1" lang="en-US" sz="2800" spc="-1" strike="noStrike">
+                <a:solidFill>
+                  <a:srgbClr val="092745"/>
+                </a:solidFill>
+                <a:latin typeface="Arial"/>
+                <a:ea typeface="DejaVu Sans"/>
+              </a:rPr>
+              <a:t>Change parameters and look what happens</a:t>
+            </a:r>
+            <a:endParaRPr b="0" lang="en-US" sz="2800" spc="-1" strike="noStrike">
+              <a:latin typeface="Arial"/>
+            </a:endParaRPr>
+          </a:p>
+          <a:p>
+            <a:pPr marL="228600" indent="-227520">
               <a:lnSpc>
                 <a:spcPct val="100000"/>
               </a:lnSpc>
@@ -6583,57 +5078,28 @@
               <a:buFont typeface="Arial"/>
               <a:buChar char="•"/>
             </a:pPr>
-            <a:endParaRPr b="0" lang="en-US" sz="1800" spc="-1" strike="noStrike">
-              <a:latin typeface="Arial"/>
-            </a:endParaRPr>
-          </a:p>
-          <a:p>
             <a:r>
               <a:rPr b="0" lang="en-US" sz="2800" spc="-1" strike="noStrike">
                 <a:solidFill>
                   <a:srgbClr val="092745"/>
                 </a:solidFill>
                 <a:latin typeface="Arial"/>
-              </a:rPr>
-              <a:t>Understanding/Playing around with</a:t>
-            </a:r>
-            <a:r>
-              <a:rPr b="0" lang="en-US" sz="1800" spc="-1" strike="noStrike">
-                <a:solidFill>
-                  <a:srgbClr val="092745"/>
-                </a:solidFill>
-                <a:latin typeface="Arial"/>
-                <a:ea typeface="Microsoft YaHei"/>
-              </a:rPr>
-              <a:t> </a:t>
-            </a:r>
-            <a:r>
-              <a:rPr b="0" lang="en-US" sz="2800" spc="-1" strike="noStrike">
-                <a:solidFill>
-                  <a:srgbClr val="092745"/>
-                </a:solidFill>
-                <a:latin typeface="Arial"/>
-                <a:ea typeface="Microsoft YaHei"/>
-              </a:rPr>
-              <a:t>job monitoring</a:t>
+                <a:ea typeface="DejaVu Sans"/>
+              </a:rPr>
+              <a:t>Note down every thing that you like/do not like/do not understand</a:t>
             </a:r>
             <a:endParaRPr b="0" lang="en-US" sz="2800" spc="-1" strike="noStrike">
               <a:latin typeface="Arial"/>
             </a:endParaRPr>
           </a:p>
           <a:p>
-            <a:pPr marL="228600" indent="-227880">
+            <a:pPr>
               <a:lnSpc>
                 <a:spcPct val="100000"/>
               </a:lnSpc>
               <a:spcAft>
                 <a:spcPts val="601"/>
               </a:spcAft>
-              <a:buClr>
-                <a:srgbClr val="092745"/>
-              </a:buClr>
-              <a:buFont typeface="Arial"/>
-              <a:buChar char="•"/>
             </a:pPr>
             <a:endParaRPr b="0" lang="en-US" sz="2800" spc="-1" strike="noStrike">
               <a:latin typeface="Arial"/>
@@ -6673,14 +5139,14 @@
       </p:grpSpPr>
       <p:sp>
         <p:nvSpPr>
-          <p:cNvPr id="170" name="CustomShape 1"/>
+          <p:cNvPr id="129" name="CustomShape 1"/>
           <p:cNvSpPr/>
           <p:nvPr/>
         </p:nvSpPr>
         <p:spPr>
           <a:xfrm>
             <a:off x="223560" y="55440"/>
-            <a:ext cx="10514880" cy="765000"/>
+            <a:ext cx="10514520" cy="764640"/>
           </a:xfrm>
           <a:prstGeom prst="rect">
             <a:avLst/>
@@ -6712,8 +5178,9 @@
                   <a:srgbClr val="f2f2f2"/>
                 </a:solidFill>
                 <a:latin typeface="Lato"/>
-              </a:rPr>
-              <a:t>Block 1</a:t>
+                <a:ea typeface="DejaVu Sans"/>
+              </a:rPr>
+              <a:t>Block 3</a:t>
             </a:r>
             <a:endParaRPr b="0" lang="en-US" sz="3600" spc="-1" strike="noStrike">
               <a:latin typeface="Arial"/>
@@ -6723,14 +5190,14 @@
       </p:sp>
       <p:sp>
         <p:nvSpPr>
-          <p:cNvPr id="171" name="CustomShape 2"/>
+          <p:cNvPr id="130" name="CustomShape 2"/>
           <p:cNvSpPr/>
           <p:nvPr/>
         </p:nvSpPr>
         <p:spPr>
           <a:xfrm>
             <a:off x="334080" y="1162800"/>
-            <a:ext cx="10514880" cy="4350600"/>
+            <a:ext cx="10514520" cy="4350240"/>
           </a:xfrm>
           <a:prstGeom prst="rect">
             <a:avLst/>
@@ -6751,7 +5218,224 @@
             <a:noAutofit/>
           </a:bodyPr>
           <a:p>
-            <a:pPr marL="228600" indent="-227880">
+            <a:pPr>
+              <a:lnSpc>
+                <a:spcPct val="100000"/>
+              </a:lnSpc>
+              <a:spcAft>
+                <a:spcPts val="601"/>
+              </a:spcAft>
+            </a:pPr>
+            <a:endParaRPr b="0" lang="en-US" sz="1800" spc="-1" strike="noStrike">
+              <a:latin typeface="Arial"/>
+            </a:endParaRPr>
+          </a:p>
+          <a:p>
+            <a:pPr>
+              <a:lnSpc>
+                <a:spcPct val="100000"/>
+              </a:lnSpc>
+              <a:spcAft>
+                <a:spcPts val="601"/>
+              </a:spcAft>
+            </a:pPr>
+            <a:endParaRPr b="0" lang="en-US" sz="1800" spc="-1" strike="noStrike">
+              <a:latin typeface="Arial"/>
+            </a:endParaRPr>
+          </a:p>
+          <a:p>
+            <a:pPr>
+              <a:lnSpc>
+                <a:spcPct val="100000"/>
+              </a:lnSpc>
+              <a:spcAft>
+                <a:spcPts val="601"/>
+              </a:spcAft>
+            </a:pPr>
+            <a:endParaRPr b="0" lang="en-US" sz="1800" spc="-1" strike="noStrike">
+              <a:latin typeface="Arial"/>
+            </a:endParaRPr>
+          </a:p>
+          <a:p>
+            <a:pPr>
+              <a:lnSpc>
+                <a:spcPct val="100000"/>
+              </a:lnSpc>
+              <a:spcAft>
+                <a:spcPts val="601"/>
+              </a:spcAft>
+            </a:pPr>
+            <a:endParaRPr b="0" lang="en-US" sz="1800" spc="-1" strike="noStrike">
+              <a:latin typeface="Arial"/>
+            </a:endParaRPr>
+          </a:p>
+          <a:p>
+            <a:pPr>
+              <a:lnSpc>
+                <a:spcPct val="100000"/>
+              </a:lnSpc>
+            </a:pPr>
+            <a:r>
+              <a:rPr b="0" lang="en-US" sz="2800" spc="-1" strike="noStrike">
+                <a:solidFill>
+                  <a:srgbClr val="092745"/>
+                </a:solidFill>
+                <a:latin typeface="Arial"/>
+                <a:ea typeface="DejaVu Sans"/>
+              </a:rPr>
+              <a:t>Understanding/Playing around with</a:t>
+            </a:r>
+            <a:r>
+              <a:rPr b="0" lang="en-US" sz="1800" spc="-1" strike="noStrike">
+                <a:solidFill>
+                  <a:srgbClr val="092745"/>
+                </a:solidFill>
+                <a:latin typeface="Arial"/>
+                <a:ea typeface="Microsoft YaHei"/>
+              </a:rPr>
+              <a:t> </a:t>
+            </a:r>
+            <a:r>
+              <a:rPr b="0" lang="en-US" sz="2800" spc="-1" strike="noStrike">
+                <a:solidFill>
+                  <a:srgbClr val="092745"/>
+                </a:solidFill>
+                <a:latin typeface="Arial"/>
+                <a:ea typeface="Microsoft YaHei"/>
+              </a:rPr>
+              <a:t>job monitoring</a:t>
+            </a:r>
+            <a:endParaRPr b="0" lang="en-US" sz="2800" spc="-1" strike="noStrike">
+              <a:latin typeface="Arial"/>
+            </a:endParaRPr>
+          </a:p>
+          <a:p>
+            <a:pPr>
+              <a:lnSpc>
+                <a:spcPct val="100000"/>
+              </a:lnSpc>
+              <a:spcAft>
+                <a:spcPts val="601"/>
+              </a:spcAft>
+            </a:pPr>
+            <a:endParaRPr b="0" lang="en-US" sz="2800" spc="-1" strike="noStrike">
+              <a:latin typeface="Arial"/>
+            </a:endParaRPr>
+          </a:p>
+        </p:txBody>
+      </p:sp>
+    </p:spTree>
+  </p:cSld>
+  <mc:AlternateContent>
+    <mc:Choice Requires="p14">
+      <p:transition spd="slow" p14:dur="2000"/>
+    </mc:Choice>
+    <mc:Fallback>
+      <p:transition spd="slow"/>
+    </mc:Fallback>
+  </mc:AlternateContent>
+</p:sld>
+</file>
+
+<file path=ppt/slides/slide12.xml><?xml version="1.0" encoding="utf-8"?>
+<p:sld xmlns:a="http://schemas.openxmlformats.org/drawingml/2006/main" xmlns:p="http://schemas.openxmlformats.org/presentationml/2006/main" xmlns:r="http://schemas.openxmlformats.org/officeDocument/2006/relationships" xmlns:p14="http://schemas.microsoft.com/office/powerpoint/2010/main" xmlns:p15="http://schemas.microsoft.com/office/powerpoint/2012/main" xmlns:mc="http://schemas.openxmlformats.org/markup-compatibility/2006">
+  <p:cSld>
+    <p:spTree>
+      <p:nvGrpSpPr>
+        <p:cNvPr id="1" name=""/>
+        <p:cNvGrpSpPr/>
+        <p:nvPr/>
+      </p:nvGrpSpPr>
+      <p:grpSpPr>
+        <a:xfrm>
+          <a:off x="0" y="0"/>
+          <a:ext cx="0" cy="0"/>
+          <a:chOff x="0" y="0"/>
+          <a:chExt cx="0" cy="0"/>
+        </a:xfrm>
+      </p:grpSpPr>
+      <p:sp>
+        <p:nvSpPr>
+          <p:cNvPr id="131" name="CustomShape 1"/>
+          <p:cNvSpPr/>
+          <p:nvPr/>
+        </p:nvSpPr>
+        <p:spPr>
+          <a:xfrm>
+            <a:off x="223560" y="55440"/>
+            <a:ext cx="10514520" cy="764640"/>
+          </a:xfrm>
+          <a:prstGeom prst="rect">
+            <a:avLst/>
+          </a:prstGeom>
+          <a:noFill/>
+          <a:ln w="0">
+            <a:noFill/>
+          </a:ln>
+        </p:spPr>
+        <p:style>
+          <a:lnRef idx="0"/>
+          <a:fillRef idx="0"/>
+          <a:effectRef idx="0"/>
+          <a:fontRef idx="minor"/>
+        </p:style>
+        <p:txBody>
+          <a:bodyPr lIns="90000" rIns="90000" tIns="45000" bIns="45000" anchor="ctr">
+            <a:noAutofit/>
+          </a:bodyPr>
+          <a:p>
+            <a:pPr>
+              <a:lnSpc>
+                <a:spcPct val="90000"/>
+              </a:lnSpc>
+            </a:pPr>
+            <a:r>
+              <a:rPr b="1" lang="en-US" sz="3600" spc="-1" strike="noStrike">
+                <a:solidFill>
+                  <a:srgbClr val="f2f2f2"/>
+                </a:solidFill>
+                <a:latin typeface="Lato"/>
+                <a:ea typeface="DejaVu Sans"/>
+              </a:rPr>
+              <a:t>Block 1</a:t>
+            </a:r>
+            <a:endParaRPr b="0" lang="en-US" sz="3600" spc="-1" strike="noStrike">
+              <a:latin typeface="Arial"/>
+            </a:endParaRPr>
+          </a:p>
+        </p:txBody>
+      </p:sp>
+      <p:sp>
+        <p:nvSpPr>
+          <p:cNvPr id="132" name="CustomShape 2"/>
+          <p:cNvSpPr/>
+          <p:nvPr/>
+        </p:nvSpPr>
+        <p:spPr>
+          <a:xfrm>
+            <a:off x="334080" y="1162800"/>
+            <a:ext cx="10514520" cy="4350240"/>
+          </a:xfrm>
+          <a:prstGeom prst="rect">
+            <a:avLst/>
+          </a:prstGeom>
+          <a:noFill/>
+          <a:ln w="0">
+            <a:noFill/>
+          </a:ln>
+        </p:spPr>
+        <p:style>
+          <a:lnRef idx="0"/>
+          <a:fillRef idx="0"/>
+          <a:effectRef idx="0"/>
+          <a:fontRef idx="minor"/>
+        </p:style>
+        <p:txBody>
+          <a:bodyPr lIns="90000" rIns="90000" tIns="45000" bIns="45000">
+            <a:noAutofit/>
+          </a:bodyPr>
+          <a:p>
+            <a:pPr marL="228600" indent="-227520">
               <a:lnSpc>
                 <a:spcPct val="100000"/>
               </a:lnSpc>
@@ -6770,6 +5454,7 @@
                   <a:srgbClr val="092745"/>
                 </a:solidFill>
                 <a:latin typeface="Arial"/>
+                <a:ea typeface="DejaVu Sans"/>
               </a:rPr>
               <a:t>Understanding/Playing around with job monitoring</a:t>
             </a:r>
@@ -6778,7 +5463,46 @@
             </a:endParaRPr>
           </a:p>
           <a:p>
-            <a:pPr marL="228600" indent="-227880">
+            <a:pPr>
+              <a:lnSpc>
+                <a:spcPct val="100000"/>
+              </a:lnSpc>
+              <a:spcAft>
+                <a:spcPts val="601"/>
+              </a:spcAft>
+            </a:pPr>
+            <a:endParaRPr b="0" lang="en-US" sz="2800" spc="-1" strike="noStrike">
+              <a:latin typeface="Arial"/>
+            </a:endParaRPr>
+          </a:p>
+          <a:p>
+            <a:pPr>
+              <a:lnSpc>
+                <a:spcPct val="100000"/>
+              </a:lnSpc>
+              <a:spcAft>
+                <a:spcPts val="601"/>
+              </a:spcAft>
+            </a:pPr>
+            <a:endParaRPr b="0" lang="en-US" sz="2800" spc="-1" strike="noStrike">
+              <a:latin typeface="Arial"/>
+            </a:endParaRPr>
+          </a:p>
+          <a:p>
+            <a:pPr>
+              <a:lnSpc>
+                <a:spcPct val="100000"/>
+              </a:lnSpc>
+              <a:spcAft>
+                <a:spcPts val="601"/>
+              </a:spcAft>
+            </a:pPr>
+            <a:endParaRPr b="0" lang="en-US" sz="2800" spc="-1" strike="noStrike">
+              <a:latin typeface="Arial"/>
+            </a:endParaRPr>
+          </a:p>
+          <a:p>
+            <a:pPr marL="228600" indent="-227520">
               <a:lnSpc>
                 <a:spcPct val="100000"/>
               </a:lnSpc>
@@ -6791,12 +5515,22 @@
               <a:buFont typeface="Arial"/>
               <a:buChar char="•"/>
             </a:pPr>
+            <a:r>
+              <a:rPr b="0" lang="en-US" sz="2800" spc="-1" strike="noStrike">
+                <a:solidFill>
+                  <a:srgbClr val="092745"/>
+                </a:solidFill>
+                <a:latin typeface="Arial"/>
+                <a:ea typeface="DejaVu Sans"/>
+              </a:rPr>
+              <a:t>Use curl or the swagger-uis to access the /jobs endpoint</a:t>
+            </a:r>
             <a:endParaRPr b="0" lang="en-US" sz="2800" spc="-1" strike="noStrike">
               <a:latin typeface="Arial"/>
             </a:endParaRPr>
           </a:p>
           <a:p>
-            <a:pPr marL="228600" indent="-227880">
+            <a:pPr marL="228600" indent="-227520">
               <a:lnSpc>
                 <a:spcPct val="100000"/>
               </a:lnSpc>
@@ -6809,12 +5543,22 @@
               <a:buFont typeface="Arial"/>
               <a:buChar char="•"/>
             </a:pPr>
+            <a:r>
+              <a:rPr b="1" lang="en-US" sz="2800" spc="-1" strike="noStrike">
+                <a:solidFill>
+                  <a:srgbClr val="092745"/>
+                </a:solidFill>
+                <a:latin typeface="Arial"/>
+                <a:ea typeface="DejaVu Sans"/>
+              </a:rPr>
+              <a:t>Use filters to select jobs by e.g. process id or only jobs within a certain timeframe</a:t>
+            </a:r>
             <a:endParaRPr b="0" lang="en-US" sz="2800" spc="-1" strike="noStrike">
               <a:latin typeface="Arial"/>
             </a:endParaRPr>
           </a:p>
           <a:p>
-            <a:pPr marL="228600" indent="-227880">
+            <a:pPr marL="228600" indent="-227520">
               <a:lnSpc>
                 <a:spcPct val="100000"/>
               </a:lnSpc>
@@ -6827,104 +5571,28 @@
               <a:buFont typeface="Arial"/>
               <a:buChar char="•"/>
             </a:pPr>
-            <a:endParaRPr b="0" lang="en-US" sz="2800" spc="-1" strike="noStrike">
-              <a:latin typeface="Arial"/>
-            </a:endParaRPr>
-          </a:p>
-          <a:p>
-            <a:pPr marL="228600" indent="-227880">
-              <a:lnSpc>
-                <a:spcPct val="100000"/>
-              </a:lnSpc>
-              <a:spcAft>
-                <a:spcPts val="601"/>
-              </a:spcAft>
-              <a:buClr>
-                <a:srgbClr val="092745"/>
-              </a:buClr>
-              <a:buFont typeface="Arial"/>
-              <a:buChar char="•"/>
-            </a:pPr>
             <a:r>
               <a:rPr b="0" lang="en-US" sz="2800" spc="-1" strike="noStrike">
                 <a:solidFill>
                   <a:srgbClr val="092745"/>
                 </a:solidFill>
                 <a:latin typeface="Arial"/>
-              </a:rPr>
-              <a:t>Use curl or the swagger-uis to access the /jobs endpoint</a:t>
+                <a:ea typeface="DejaVu Sans"/>
+              </a:rPr>
+              <a:t>Note down every thing that you like/do not like/do not understand</a:t>
             </a:r>
             <a:endParaRPr b="0" lang="en-US" sz="2800" spc="-1" strike="noStrike">
               <a:latin typeface="Arial"/>
             </a:endParaRPr>
           </a:p>
           <a:p>
-            <a:pPr marL="228600" indent="-227880">
+            <a:pPr>
               <a:lnSpc>
                 <a:spcPct val="100000"/>
               </a:lnSpc>
               <a:spcAft>
                 <a:spcPts val="601"/>
               </a:spcAft>
-              <a:buClr>
-                <a:srgbClr val="092745"/>
-              </a:buClr>
-              <a:buFont typeface="Arial"/>
-              <a:buChar char="•"/>
-            </a:pPr>
-            <a:r>
-              <a:rPr b="1" lang="en-US" sz="2800" spc="-1" strike="noStrike">
-                <a:solidFill>
-                  <a:srgbClr val="092745"/>
-                </a:solidFill>
-                <a:latin typeface="Arial"/>
-              </a:rPr>
-              <a:t>Use filters to select jobs by e.g. process id or only jobs within a certain timeframe</a:t>
-            </a:r>
-            <a:endParaRPr b="0" lang="en-US" sz="2800" spc="-1" strike="noStrike">
-              <a:latin typeface="Arial"/>
-            </a:endParaRPr>
-          </a:p>
-          <a:p>
-            <a:pPr marL="228600" indent="-227880">
-              <a:lnSpc>
-                <a:spcPct val="100000"/>
-              </a:lnSpc>
-              <a:spcAft>
-                <a:spcPts val="601"/>
-              </a:spcAft>
-              <a:buClr>
-                <a:srgbClr val="092745"/>
-              </a:buClr>
-              <a:buFont typeface="Arial"/>
-              <a:buChar char="•"/>
-            </a:pPr>
-            <a:r>
-              <a:rPr b="0" lang="en-US" sz="2800" spc="-1" strike="noStrike">
-                <a:solidFill>
-                  <a:srgbClr val="092745"/>
-                </a:solidFill>
-                <a:latin typeface="Arial"/>
-              </a:rPr>
-              <a:t>Note down every thing that you like/do not like/do not understand</a:t>
-            </a:r>
-            <a:endParaRPr b="0" lang="en-US" sz="2800" spc="-1" strike="noStrike">
-              <a:latin typeface="Arial"/>
-            </a:endParaRPr>
-          </a:p>
-          <a:p>
-            <a:pPr marL="228600" indent="-227880">
-              <a:lnSpc>
-                <a:spcPct val="100000"/>
-              </a:lnSpc>
-              <a:spcAft>
-                <a:spcPts val="601"/>
-              </a:spcAft>
-              <a:buClr>
-                <a:srgbClr val="092745"/>
-              </a:buClr>
-              <a:buFont typeface="Arial"/>
-              <a:buChar char="•"/>
             </a:pPr>
             <a:endParaRPr b="0" lang="en-US" sz="2800" spc="-1" strike="noStrike">
               <a:latin typeface="Arial"/>
@@ -6964,14 +5632,14 @@
       </p:grpSpPr>
       <p:sp>
         <p:nvSpPr>
-          <p:cNvPr id="152" name="CustomShape 1"/>
+          <p:cNvPr id="111" name="CustomShape 1"/>
           <p:cNvSpPr/>
           <p:nvPr/>
         </p:nvSpPr>
         <p:spPr>
           <a:xfrm>
             <a:off x="223560" y="55440"/>
-            <a:ext cx="10514880" cy="765000"/>
+            <a:ext cx="10514520" cy="764640"/>
           </a:xfrm>
           <a:prstGeom prst="rect">
             <a:avLst/>
@@ -7003,6 +5671,7 @@
                   <a:srgbClr val="f2f2f2"/>
                 </a:solidFill>
                 <a:latin typeface="Lato"/>
+                <a:ea typeface="DejaVu Sans"/>
               </a:rPr>
               <a:t>Agenda</a:t>
             </a:r>
@@ -7014,14 +5683,14 @@
       </p:sp>
       <p:sp>
         <p:nvSpPr>
-          <p:cNvPr id="153" name="CustomShape 2"/>
+          <p:cNvPr id="112" name="CustomShape 2"/>
           <p:cNvSpPr/>
           <p:nvPr/>
         </p:nvSpPr>
         <p:spPr>
           <a:xfrm>
             <a:off x="334080" y="1162800"/>
-            <a:ext cx="10514880" cy="4350600"/>
+            <a:ext cx="10514520" cy="4350240"/>
           </a:xfrm>
           <a:prstGeom prst="rect">
             <a:avLst/>
@@ -7042,7 +5711,7 @@
             <a:noAutofit/>
           </a:bodyPr>
           <a:p>
-            <a:pPr marL="228600" indent="-227880">
+            <a:pPr marL="228600" indent="-227520">
               <a:lnSpc>
                 <a:spcPct val="100000"/>
               </a:lnSpc>
@@ -7061,6 +5730,7 @@
                   <a:srgbClr val="092745"/>
                 </a:solidFill>
                 <a:latin typeface="Arial"/>
+                <a:ea typeface="DejaVu Sans"/>
               </a:rPr>
               <a:t>Three blocks a 30 minutes</a:t>
             </a:r>
@@ -7069,7 +5739,7 @@
             </a:endParaRPr>
           </a:p>
           <a:p>
-            <a:pPr marL="228600" indent="-227880">
+            <a:pPr marL="228600" indent="-227520">
               <a:lnSpc>
                 <a:spcPct val="100000"/>
               </a:lnSpc>
@@ -7088,6 +5758,7 @@
                   <a:srgbClr val="092745"/>
                 </a:solidFill>
                 <a:latin typeface="Arial"/>
+                <a:ea typeface="DejaVu Sans"/>
               </a:rPr>
               <a:t>5 Minutes introduction</a:t>
             </a:r>
@@ -7096,7 +5767,7 @@
             </a:endParaRPr>
           </a:p>
           <a:p>
-            <a:pPr marL="228600" indent="-227880">
+            <a:pPr marL="228600" indent="-227520">
               <a:lnSpc>
                 <a:spcPct val="100000"/>
               </a:lnSpc>
@@ -7115,6 +5786,7 @@
                   <a:srgbClr val="092745"/>
                 </a:solidFill>
                 <a:latin typeface="Arial"/>
+                <a:ea typeface="DejaVu Sans"/>
               </a:rPr>
               <a:t>15-20 Minutes practical work</a:t>
             </a:r>
@@ -7123,7 +5795,7 @@
             </a:endParaRPr>
           </a:p>
           <a:p>
-            <a:pPr marL="228600" indent="-227880">
+            <a:pPr marL="228600" indent="-227520">
               <a:lnSpc>
                 <a:spcPct val="100000"/>
               </a:lnSpc>
@@ -7142,6 +5814,7 @@
                   <a:srgbClr val="092745"/>
                 </a:solidFill>
                 <a:latin typeface="Arial"/>
+                <a:ea typeface="DejaVu Sans"/>
               </a:rPr>
               <a:t>5-10 Minutes feedback</a:t>
             </a:r>
@@ -7150,7 +5823,20 @@
             </a:endParaRPr>
           </a:p>
           <a:p>
-            <a:pPr marL="228600" indent="-227880">
+            <a:pPr>
+              <a:lnSpc>
+                <a:spcPct val="100000"/>
+              </a:lnSpc>
+              <a:spcAft>
+                <a:spcPts val="601"/>
+              </a:spcAft>
+            </a:pPr>
+            <a:endParaRPr b="0" lang="en-US" sz="2800" spc="-1" strike="noStrike">
+              <a:latin typeface="Arial"/>
+            </a:endParaRPr>
+          </a:p>
+          <a:p>
+            <a:pPr marL="228600" indent="-227520">
               <a:lnSpc>
                 <a:spcPct val="100000"/>
               </a:lnSpc>
@@ -7163,12 +5849,35 @@
               <a:buFont typeface="Arial"/>
               <a:buChar char="•"/>
             </a:pPr>
+            <a:r>
+              <a:rPr b="0" lang="en-US" sz="2800" spc="-1" strike="noStrike">
+                <a:solidFill>
+                  <a:srgbClr val="092745"/>
+                </a:solidFill>
+                <a:latin typeface="Arial"/>
+                <a:ea typeface="DejaVu Sans"/>
+              </a:rPr>
+              <a:t>Understanding/Playing around with process descriptions</a:t>
+            </a:r>
             <a:endParaRPr b="0" lang="en-US" sz="2800" spc="-1" strike="noStrike">
               <a:latin typeface="Arial"/>
             </a:endParaRPr>
           </a:p>
           <a:p>
-            <a:pPr marL="228600" indent="-227880">
+            <a:pPr>
+              <a:lnSpc>
+                <a:spcPct val="100000"/>
+              </a:lnSpc>
+              <a:spcAft>
+                <a:spcPts val="601"/>
+              </a:spcAft>
+            </a:pPr>
+            <a:endParaRPr b="0" lang="en-US" sz="2800" spc="-1" strike="noStrike">
+              <a:latin typeface="Arial"/>
+            </a:endParaRPr>
+          </a:p>
+          <a:p>
+            <a:pPr marL="228600" indent="-227520">
               <a:lnSpc>
                 <a:spcPct val="100000"/>
               </a:lnSpc>
@@ -7187,15 +5896,29 @@
                   <a:srgbClr val="092745"/>
                 </a:solidFill>
                 <a:latin typeface="Arial"/>
-              </a:rPr>
-              <a:t>Understanding/Playing around with process descriptions</a:t>
+                <a:ea typeface="DejaVu Sans"/>
+              </a:rPr>
+              <a:t>Understanding/Playing around with process execution</a:t>
             </a:r>
             <a:endParaRPr b="0" lang="en-US" sz="2800" spc="-1" strike="noStrike">
               <a:latin typeface="Arial"/>
             </a:endParaRPr>
           </a:p>
           <a:p>
-            <a:pPr marL="228600" indent="-227880">
+            <a:pPr>
+              <a:lnSpc>
+                <a:spcPct val="100000"/>
+              </a:lnSpc>
+              <a:spcAft>
+                <a:spcPts val="601"/>
+              </a:spcAft>
+            </a:pPr>
+            <a:endParaRPr b="0" lang="en-US" sz="2800" spc="-1" strike="noStrike">
+              <a:latin typeface="Arial"/>
+            </a:endParaRPr>
+          </a:p>
+          <a:p>
+            <a:pPr marL="228600" indent="-227520">
               <a:lnSpc>
                 <a:spcPct val="100000"/>
               </a:lnSpc>
@@ -7208,75 +5931,13 @@
               <a:buFont typeface="Arial"/>
               <a:buChar char="•"/>
             </a:pPr>
-            <a:endParaRPr b="0" lang="en-US" sz="2800" spc="-1" strike="noStrike">
-              <a:latin typeface="Arial"/>
-            </a:endParaRPr>
-          </a:p>
-          <a:p>
-            <a:pPr marL="228600" indent="-227880">
-              <a:lnSpc>
-                <a:spcPct val="100000"/>
-              </a:lnSpc>
-              <a:spcAft>
-                <a:spcPts val="601"/>
-              </a:spcAft>
-              <a:buClr>
-                <a:srgbClr val="092745"/>
-              </a:buClr>
-              <a:buFont typeface="Arial"/>
-              <a:buChar char="•"/>
-            </a:pPr>
             <a:r>
               <a:rPr b="0" lang="en-US" sz="2800" spc="-1" strike="noStrike">
                 <a:solidFill>
                   <a:srgbClr val="092745"/>
                 </a:solidFill>
                 <a:latin typeface="Arial"/>
-              </a:rPr>
-              <a:t>Understanding/Playing around with process execution</a:t>
-            </a:r>
-            <a:endParaRPr b="0" lang="en-US" sz="2800" spc="-1" strike="noStrike">
-              <a:latin typeface="Arial"/>
-            </a:endParaRPr>
-          </a:p>
-          <a:p>
-            <a:pPr marL="228600" indent="-227880">
-              <a:lnSpc>
-                <a:spcPct val="100000"/>
-              </a:lnSpc>
-              <a:spcAft>
-                <a:spcPts val="601"/>
-              </a:spcAft>
-              <a:buClr>
-                <a:srgbClr val="092745"/>
-              </a:buClr>
-              <a:buFont typeface="Arial"/>
-              <a:buChar char="•"/>
-            </a:pPr>
-            <a:endParaRPr b="0" lang="en-US" sz="2800" spc="-1" strike="noStrike">
-              <a:latin typeface="Arial"/>
-            </a:endParaRPr>
-          </a:p>
-          <a:p>
-            <a:pPr marL="228600" indent="-227880">
-              <a:lnSpc>
-                <a:spcPct val="100000"/>
-              </a:lnSpc>
-              <a:spcAft>
-                <a:spcPts val="601"/>
-              </a:spcAft>
-              <a:buClr>
-                <a:srgbClr val="092745"/>
-              </a:buClr>
-              <a:buFont typeface="Arial"/>
-              <a:buChar char="•"/>
-            </a:pPr>
-            <a:r>
-              <a:rPr b="0" lang="en-US" sz="2800" spc="-1" strike="noStrike">
-                <a:solidFill>
-                  <a:srgbClr val="092745"/>
-                </a:solidFill>
-                <a:latin typeface="Arial"/>
+                <a:ea typeface="DejaVu Sans"/>
               </a:rPr>
               <a:t>Understanding/Playing around with job monitoring</a:t>
             </a:r>
@@ -7331,14 +5992,14 @@
       </p:grpSpPr>
       <p:sp>
         <p:nvSpPr>
-          <p:cNvPr id="154" name="CustomShape 1"/>
+          <p:cNvPr id="113" name="CustomShape 1"/>
           <p:cNvSpPr/>
           <p:nvPr/>
         </p:nvSpPr>
         <p:spPr>
           <a:xfrm>
             <a:off x="223560" y="55440"/>
-            <a:ext cx="10514880" cy="765000"/>
+            <a:ext cx="10514520" cy="764640"/>
           </a:xfrm>
           <a:prstGeom prst="rect">
             <a:avLst/>
@@ -7370,6 +6031,7 @@
                   <a:srgbClr val="f2f2f2"/>
                 </a:solidFill>
                 <a:latin typeface="Lato"/>
+                <a:ea typeface="DejaVu Sans"/>
               </a:rPr>
               <a:t>API endpoints</a:t>
             </a:r>
@@ -7381,14 +6043,14 @@
       </p:sp>
       <p:sp>
         <p:nvSpPr>
-          <p:cNvPr id="155" name="CustomShape 2"/>
+          <p:cNvPr id="114" name="CustomShape 2"/>
           <p:cNvSpPr/>
           <p:nvPr/>
         </p:nvSpPr>
         <p:spPr>
           <a:xfrm>
             <a:off x="334080" y="1162800"/>
-            <a:ext cx="10514880" cy="4350600"/>
+            <a:ext cx="10514520" cy="4350240"/>
           </a:xfrm>
           <a:prstGeom prst="rect">
             <a:avLst/>
@@ -7409,7 +6071,7 @@
             <a:noAutofit/>
           </a:bodyPr>
           <a:p>
-            <a:pPr marL="228600" indent="-227880">
+            <a:pPr marL="228600" indent="-227520">
               <a:lnSpc>
                 <a:spcPct val="100000"/>
               </a:lnSpc>
@@ -7428,6 +6090,7 @@
                   <a:srgbClr val="092745"/>
                 </a:solidFill>
                 <a:latin typeface="Arial"/>
+                <a:ea typeface="DejaVu Sans"/>
               </a:rPr>
               <a:t>(At least) three implementations</a:t>
             </a:r>
@@ -7436,7 +6099,20 @@
             </a:endParaRPr>
           </a:p>
           <a:p>
-            <a:pPr marL="228600" indent="-227880">
+            <a:pPr>
+              <a:lnSpc>
+                <a:spcPct val="100000"/>
+              </a:lnSpc>
+              <a:spcAft>
+                <a:spcPts val="601"/>
+              </a:spcAft>
+            </a:pPr>
+            <a:endParaRPr b="0" lang="en-US" sz="2800" spc="-1" strike="noStrike">
+              <a:latin typeface="Arial"/>
+            </a:endParaRPr>
+          </a:p>
+          <a:p>
+            <a:pPr marL="228600" indent="-227520">
               <a:lnSpc>
                 <a:spcPct val="100000"/>
               </a:lnSpc>
@@ -7449,12 +6125,35 @@
               <a:buFont typeface="Arial"/>
               <a:buChar char="•"/>
             </a:pPr>
+            <a:r>
+              <a:rPr b="0" lang="en-US" sz="2800" spc="-1" strike="noStrike">
+                <a:solidFill>
+                  <a:srgbClr val="092745"/>
+                </a:solidFill>
+                <a:latin typeface="Arial"/>
+                <a:ea typeface="DejaVu Sans"/>
+              </a:rPr>
+              <a:t>Cubewerx</a:t>
+            </a:r>
             <a:endParaRPr b="0" lang="en-US" sz="2800" spc="-1" strike="noStrike">
               <a:latin typeface="Arial"/>
             </a:endParaRPr>
           </a:p>
           <a:p>
-            <a:pPr marL="228600" indent="-227880">
+            <a:pPr>
+              <a:lnSpc>
+                <a:spcPct val="100000"/>
+              </a:lnSpc>
+              <a:spcAft>
+                <a:spcPts val="601"/>
+              </a:spcAft>
+            </a:pPr>
+            <a:endParaRPr b="0" lang="en-US" sz="2800" spc="-1" strike="noStrike">
+              <a:latin typeface="Arial"/>
+            </a:endParaRPr>
+          </a:p>
+          <a:p>
+            <a:pPr marL="228600" indent="-227520">
               <a:lnSpc>
                 <a:spcPct val="100000"/>
               </a:lnSpc>
@@ -7473,15 +6172,29 @@
                   <a:srgbClr val="092745"/>
                 </a:solidFill>
                 <a:latin typeface="Arial"/>
-              </a:rPr>
-              <a:t>Cubewerx</a:t>
+                <a:ea typeface="DejaVu Sans"/>
+              </a:rPr>
+              <a:t>GeoLabs</a:t>
             </a:r>
             <a:endParaRPr b="0" lang="en-US" sz="2800" spc="-1" strike="noStrike">
               <a:latin typeface="Arial"/>
             </a:endParaRPr>
           </a:p>
           <a:p>
-            <a:pPr marL="228600" indent="-227880">
+            <a:pPr>
+              <a:lnSpc>
+                <a:spcPct val="100000"/>
+              </a:lnSpc>
+              <a:spcAft>
+                <a:spcPts val="601"/>
+              </a:spcAft>
+            </a:pPr>
+            <a:endParaRPr b="0" lang="en-US" sz="2800" spc="-1" strike="noStrike">
+              <a:latin typeface="Arial"/>
+            </a:endParaRPr>
+          </a:p>
+          <a:p>
+            <a:pPr marL="228600" indent="-227520">
               <a:lnSpc>
                 <a:spcPct val="100000"/>
               </a:lnSpc>
@@ -7494,75 +6207,13 @@
               <a:buFont typeface="Arial"/>
               <a:buChar char="•"/>
             </a:pPr>
-            <a:endParaRPr b="0" lang="en-US" sz="2800" spc="-1" strike="noStrike">
-              <a:latin typeface="Arial"/>
-            </a:endParaRPr>
-          </a:p>
-          <a:p>
-            <a:pPr marL="228600" indent="-227880">
-              <a:lnSpc>
-                <a:spcPct val="100000"/>
-              </a:lnSpc>
-              <a:spcAft>
-                <a:spcPts val="601"/>
-              </a:spcAft>
-              <a:buClr>
-                <a:srgbClr val="092745"/>
-              </a:buClr>
-              <a:buFont typeface="Arial"/>
-              <a:buChar char="•"/>
-            </a:pPr>
             <a:r>
               <a:rPr b="0" lang="en-US" sz="2800" spc="-1" strike="noStrike">
                 <a:solidFill>
                   <a:srgbClr val="092745"/>
                 </a:solidFill>
                 <a:latin typeface="Arial"/>
-              </a:rPr>
-              <a:t>GeoLabs</a:t>
-            </a:r>
-            <a:endParaRPr b="0" lang="en-US" sz="2800" spc="-1" strike="noStrike">
-              <a:latin typeface="Arial"/>
-            </a:endParaRPr>
-          </a:p>
-          <a:p>
-            <a:pPr marL="228600" indent="-227880">
-              <a:lnSpc>
-                <a:spcPct val="100000"/>
-              </a:lnSpc>
-              <a:spcAft>
-                <a:spcPts val="601"/>
-              </a:spcAft>
-              <a:buClr>
-                <a:srgbClr val="092745"/>
-              </a:buClr>
-              <a:buFont typeface="Arial"/>
-              <a:buChar char="•"/>
-            </a:pPr>
-            <a:endParaRPr b="0" lang="en-US" sz="2800" spc="-1" strike="noStrike">
-              <a:latin typeface="Arial"/>
-            </a:endParaRPr>
-          </a:p>
-          <a:p>
-            <a:pPr marL="228600" indent="-227880">
-              <a:lnSpc>
-                <a:spcPct val="100000"/>
-              </a:lnSpc>
-              <a:spcAft>
-                <a:spcPts val="601"/>
-              </a:spcAft>
-              <a:buClr>
-                <a:srgbClr val="092745"/>
-              </a:buClr>
-              <a:buFont typeface="Arial"/>
-              <a:buChar char="•"/>
-            </a:pPr>
-            <a:r>
-              <a:rPr b="0" lang="en-US" sz="2800" spc="-1" strike="noStrike">
-                <a:solidFill>
-                  <a:srgbClr val="092745"/>
-                </a:solidFill>
-                <a:latin typeface="Arial"/>
+                <a:ea typeface="DejaVu Sans"/>
               </a:rPr>
               <a:t>Hexagon</a:t>
             </a:r>
@@ -7604,14 +6255,14 @@
       </p:grpSpPr>
       <p:sp>
         <p:nvSpPr>
-          <p:cNvPr id="156" name="CustomShape 1"/>
+          <p:cNvPr id="115" name="CustomShape 1"/>
           <p:cNvSpPr/>
           <p:nvPr/>
         </p:nvSpPr>
         <p:spPr>
           <a:xfrm>
             <a:off x="223560" y="55440"/>
-            <a:ext cx="10514880" cy="765000"/>
+            <a:ext cx="10514520" cy="764640"/>
           </a:xfrm>
           <a:prstGeom prst="rect">
             <a:avLst/>
@@ -7643,6 +6294,7 @@
                   <a:srgbClr val="f2f2f2"/>
                 </a:solidFill>
                 <a:latin typeface="Lato"/>
+                <a:ea typeface="DejaVu Sans"/>
               </a:rPr>
               <a:t>API endpoints</a:t>
             </a:r>
@@ -7654,14 +6306,14 @@
       </p:sp>
       <p:sp>
         <p:nvSpPr>
-          <p:cNvPr id="157" name="CustomShape 2"/>
+          <p:cNvPr id="116" name="CustomShape 2"/>
           <p:cNvSpPr/>
           <p:nvPr/>
         </p:nvSpPr>
         <p:spPr>
           <a:xfrm>
             <a:off x="334080" y="1162800"/>
-            <a:ext cx="10514880" cy="4350600"/>
+            <a:ext cx="10514520" cy="4350240"/>
           </a:xfrm>
           <a:prstGeom prst="rect">
             <a:avLst/>
@@ -7682,7 +6334,7 @@
             <a:noAutofit/>
           </a:bodyPr>
           <a:p>
-            <a:pPr marL="228600" indent="-227880">
+            <a:pPr marL="228600" indent="-227520">
               <a:lnSpc>
                 <a:spcPct val="100000"/>
               </a:lnSpc>
@@ -7701,6 +6353,7 @@
                   <a:srgbClr val="092745"/>
                 </a:solidFill>
                 <a:latin typeface="Arial"/>
+                <a:ea typeface="DejaVu Sans"/>
               </a:rPr>
               <a:t>Check the OGC API – Processes test workshop page:</a:t>
             </a:r>
@@ -7709,54 +6362,39 @@
             </a:endParaRPr>
           </a:p>
           <a:p>
-            <a:pPr marL="228600" indent="-227880">
+            <a:pPr>
               <a:lnSpc>
                 <a:spcPct val="100000"/>
               </a:lnSpc>
               <a:spcAft>
                 <a:spcPts val="601"/>
               </a:spcAft>
-              <a:buClr>
-                <a:srgbClr val="092745"/>
-              </a:buClr>
-              <a:buFont typeface="Arial"/>
-              <a:buChar char="•"/>
             </a:pPr>
             <a:endParaRPr b="0" lang="en-US" sz="3200" spc="-1" strike="noStrike">
               <a:latin typeface="Arial"/>
             </a:endParaRPr>
           </a:p>
           <a:p>
-            <a:pPr marL="228600" indent="-227880">
+            <a:pPr>
               <a:lnSpc>
                 <a:spcPct val="100000"/>
               </a:lnSpc>
               <a:spcAft>
                 <a:spcPts val="601"/>
               </a:spcAft>
-              <a:buClr>
-                <a:srgbClr val="092745"/>
-              </a:buClr>
-              <a:buFont typeface="Arial"/>
-              <a:buChar char="•"/>
             </a:pPr>
             <a:endParaRPr b="0" lang="en-US" sz="3200" spc="-1" strike="noStrike">
               <a:latin typeface="Arial"/>
             </a:endParaRPr>
           </a:p>
           <a:p>
-            <a:pPr marL="228600" indent="-227880">
+            <a:pPr>
               <a:lnSpc>
                 <a:spcPct val="100000"/>
               </a:lnSpc>
               <a:spcAft>
                 <a:spcPts val="601"/>
               </a:spcAft>
-              <a:buClr>
-                <a:srgbClr val="092745"/>
-              </a:buClr>
-              <a:buFont typeface="Arial"/>
-              <a:buChar char="•"/>
             </a:pPr>
             <a:endParaRPr b="0" lang="en-US" sz="3200" spc="-1" strike="noStrike">
               <a:latin typeface="Arial"/>
@@ -7777,6 +6415,7 @@
                   <a:srgbClr val="092745"/>
                 </a:solidFill>
                 <a:latin typeface="Arial"/>
+                <a:ea typeface="DejaVu Sans"/>
               </a:rPr>
               <a:t>http://bit.ly/oapip</a:t>
             </a:r>
@@ -7785,18 +6424,13 @@
             </a:endParaRPr>
           </a:p>
           <a:p>
-            <a:pPr marL="228600" indent="-227880">
+            <a:pPr>
               <a:lnSpc>
                 <a:spcPct val="100000"/>
               </a:lnSpc>
               <a:spcAft>
                 <a:spcPts val="601"/>
               </a:spcAft>
-              <a:buClr>
-                <a:srgbClr val="092745"/>
-              </a:buClr>
-              <a:buFont typeface="Arial"/>
-              <a:buChar char="•"/>
             </a:pPr>
             <a:endParaRPr b="0" lang="en-US" sz="4000" spc="-1" strike="noStrike">
               <a:latin typeface="Arial"/>
@@ -7836,14 +6470,14 @@
       </p:grpSpPr>
       <p:sp>
         <p:nvSpPr>
-          <p:cNvPr id="158" name="CustomShape 1"/>
+          <p:cNvPr id="117" name="CustomShape 1"/>
           <p:cNvSpPr/>
           <p:nvPr/>
         </p:nvSpPr>
         <p:spPr>
           <a:xfrm>
             <a:off x="223560" y="55440"/>
-            <a:ext cx="10514880" cy="765000"/>
+            <a:ext cx="10514520" cy="764640"/>
           </a:xfrm>
           <a:prstGeom prst="rect">
             <a:avLst/>
@@ -7875,6 +6509,7 @@
                   <a:srgbClr val="f2f2f2"/>
                 </a:solidFill>
                 <a:latin typeface="Lato"/>
+                <a:ea typeface="DejaVu Sans"/>
               </a:rPr>
               <a:t>Demo video</a:t>
             </a:r>
@@ -7886,14 +6521,14 @@
       </p:sp>
       <p:sp>
         <p:nvSpPr>
-          <p:cNvPr id="159" name="CustomShape 2"/>
+          <p:cNvPr id="118" name="CustomShape 2"/>
           <p:cNvSpPr/>
           <p:nvPr/>
         </p:nvSpPr>
         <p:spPr>
           <a:xfrm>
             <a:off x="334080" y="1162800"/>
-            <a:ext cx="10514880" cy="4350600"/>
+            <a:ext cx="10514520" cy="4350240"/>
           </a:xfrm>
           <a:prstGeom prst="rect">
             <a:avLst/>
@@ -7914,72 +6549,52 @@
             <a:noAutofit/>
           </a:bodyPr>
           <a:p>
-            <a:pPr marL="228600" indent="-227880">
+            <a:pPr>
               <a:lnSpc>
                 <a:spcPct val="100000"/>
               </a:lnSpc>
               <a:spcAft>
                 <a:spcPts val="601"/>
               </a:spcAft>
-              <a:buClr>
-                <a:srgbClr val="092745"/>
-              </a:buClr>
-              <a:buFont typeface="Arial"/>
-              <a:buChar char="•"/>
             </a:pPr>
             <a:endParaRPr b="0" lang="en-US" sz="1800" spc="-1" strike="noStrike">
               <a:latin typeface="Arial"/>
             </a:endParaRPr>
           </a:p>
           <a:p>
-            <a:pPr marL="228600" indent="-227880">
+            <a:pPr>
               <a:lnSpc>
                 <a:spcPct val="100000"/>
               </a:lnSpc>
               <a:spcAft>
                 <a:spcPts val="601"/>
               </a:spcAft>
-              <a:buClr>
-                <a:srgbClr val="092745"/>
-              </a:buClr>
-              <a:buFont typeface="Arial"/>
-              <a:buChar char="•"/>
             </a:pPr>
             <a:endParaRPr b="0" lang="en-US" sz="1800" spc="-1" strike="noStrike">
               <a:latin typeface="Arial"/>
             </a:endParaRPr>
           </a:p>
           <a:p>
-            <a:pPr marL="228600" indent="-227880">
+            <a:pPr>
               <a:lnSpc>
                 <a:spcPct val="100000"/>
               </a:lnSpc>
               <a:spcAft>
                 <a:spcPts val="601"/>
               </a:spcAft>
-              <a:buClr>
-                <a:srgbClr val="092745"/>
-              </a:buClr>
-              <a:buFont typeface="Arial"/>
-              <a:buChar char="•"/>
             </a:pPr>
             <a:endParaRPr b="0" lang="en-US" sz="1800" spc="-1" strike="noStrike">
               <a:latin typeface="Arial"/>
             </a:endParaRPr>
           </a:p>
           <a:p>
-            <a:pPr marL="228600" indent="-227880">
+            <a:pPr>
               <a:lnSpc>
                 <a:spcPct val="100000"/>
               </a:lnSpc>
               <a:spcAft>
                 <a:spcPts val="601"/>
               </a:spcAft>
-              <a:buClr>
-                <a:srgbClr val="092745"/>
-              </a:buClr>
-              <a:buFont typeface="Arial"/>
-              <a:buChar char="•"/>
             </a:pPr>
             <a:endParaRPr b="0" lang="en-US" sz="1800" spc="-1" strike="noStrike">
               <a:latin typeface="Arial"/>
@@ -8000,26 +6615,58 @@
                   <a:srgbClr val="092745"/>
                 </a:solidFill>
                 <a:latin typeface="Arial"/>
-              </a:rPr>
-              <a:t>http://zoo-project.org/dl/vlc-output1.mov</a:t>
+                <a:ea typeface="DejaVu Sans"/>
+              </a:rPr>
+              <a:t>Created by Gérald Fenoy, GeoLabs</a:t>
             </a:r>
             <a:endParaRPr b="0" lang="en-US" sz="3200" spc="-1" strike="noStrike">
               <a:latin typeface="Arial"/>
             </a:endParaRPr>
           </a:p>
           <a:p>
-            <a:pPr marL="228600" indent="-227880">
+            <a:pPr>
               <a:lnSpc>
                 <a:spcPct val="100000"/>
               </a:lnSpc>
               <a:spcAft>
                 <a:spcPts val="601"/>
               </a:spcAft>
-              <a:buClr>
-                <a:srgbClr val="092745"/>
-              </a:buClr>
-              <a:buFont typeface="Arial"/>
-              <a:buChar char="•"/>
+            </a:pPr>
+            <a:endParaRPr b="0" lang="en-US" sz="3200" spc="-1" strike="noStrike">
+              <a:latin typeface="Arial"/>
+            </a:endParaRPr>
+          </a:p>
+          <a:p>
+            <a:pPr>
+              <a:lnSpc>
+                <a:spcPct val="100000"/>
+              </a:lnSpc>
+              <a:spcAft>
+                <a:spcPts val="601"/>
+              </a:spcAft>
+            </a:pPr>
+            <a:r>
+              <a:rPr b="0" lang="en-US" sz="3200" spc="-1" strike="noStrike">
+                <a:solidFill>
+                  <a:srgbClr val="092745"/>
+                </a:solidFill>
+                <a:latin typeface="Arial"/>
+                <a:ea typeface="DejaVu Sans"/>
+              </a:rPr>
+              <a:t>http://zoo-project.org/dl/vlc-output1.mov</a:t>
+            </a:r>
+            <a:endParaRPr b="0" lang="en-US" sz="3200" spc="-1" strike="noStrike">
+              <a:latin typeface="Arial"/>
+            </a:endParaRPr>
+          </a:p>
+          <a:p>
+            <a:pPr>
+              <a:lnSpc>
+                <a:spcPct val="100000"/>
+              </a:lnSpc>
+              <a:spcAft>
+                <a:spcPts val="601"/>
+              </a:spcAft>
             </a:pPr>
             <a:endParaRPr b="0" lang="en-US" sz="3200" spc="-1" strike="noStrike">
               <a:latin typeface="Arial"/>
@@ -8059,14 +6706,14 @@
       </p:grpSpPr>
       <p:sp>
         <p:nvSpPr>
-          <p:cNvPr id="160" name="CustomShape 1"/>
+          <p:cNvPr id="119" name="CustomShape 1"/>
           <p:cNvSpPr/>
           <p:nvPr/>
         </p:nvSpPr>
         <p:spPr>
           <a:xfrm>
             <a:off x="223560" y="55440"/>
-            <a:ext cx="10514880" cy="765000"/>
+            <a:ext cx="10514520" cy="764640"/>
           </a:xfrm>
           <a:prstGeom prst="rect">
             <a:avLst/>
@@ -8098,8 +6745,9 @@
                   <a:srgbClr val="f2f2f2"/>
                 </a:solidFill>
                 <a:latin typeface="Lato"/>
-              </a:rPr>
-              <a:t>Block 1</a:t>
+                <a:ea typeface="DejaVu Sans"/>
+              </a:rPr>
+              <a:t>Short how to</a:t>
             </a:r>
             <a:endParaRPr b="0" lang="en-US" sz="3600" spc="-1" strike="noStrike">
               <a:latin typeface="Arial"/>
@@ -8109,14 +6757,14 @@
       </p:sp>
       <p:sp>
         <p:nvSpPr>
-          <p:cNvPr id="161" name="CustomShape 2"/>
+          <p:cNvPr id="120" name="CustomShape 2"/>
           <p:cNvSpPr/>
           <p:nvPr/>
         </p:nvSpPr>
         <p:spPr>
           <a:xfrm>
             <a:off x="334080" y="1162800"/>
-            <a:ext cx="10514880" cy="4350600"/>
+            <a:ext cx="10514520" cy="4350240"/>
           </a:xfrm>
           <a:prstGeom prst="rect">
             <a:avLst/>
@@ -8137,114 +6785,87 @@
             <a:noAutofit/>
           </a:bodyPr>
           <a:p>
-            <a:pPr marL="228600" indent="-227880">
+            <a:pPr>
               <a:lnSpc>
                 <a:spcPct val="100000"/>
               </a:lnSpc>
               <a:spcAft>
                 <a:spcPts val="601"/>
               </a:spcAft>
-              <a:buClr>
-                <a:srgbClr val="092745"/>
-              </a:buClr>
-              <a:buFont typeface="Arial"/>
-              <a:buChar char="•"/>
-            </a:pPr>
-            <a:endParaRPr b="0" lang="en-US" sz="1800" spc="-1" strike="noStrike">
-              <a:latin typeface="Arial"/>
-            </a:endParaRPr>
-          </a:p>
-          <a:p>
-            <a:pPr marL="228600" indent="-227880">
-              <a:lnSpc>
-                <a:spcPct val="100000"/>
-              </a:lnSpc>
-              <a:spcAft>
-                <a:spcPts val="601"/>
-              </a:spcAft>
-              <a:buClr>
-                <a:srgbClr val="092745"/>
-              </a:buClr>
-              <a:buFont typeface="Arial"/>
-              <a:buChar char="•"/>
-            </a:pPr>
-            <a:endParaRPr b="0" lang="en-US" sz="1800" spc="-1" strike="noStrike">
-              <a:latin typeface="Arial"/>
-            </a:endParaRPr>
-          </a:p>
-          <a:p>
-            <a:pPr marL="228600" indent="-227880">
-              <a:lnSpc>
-                <a:spcPct val="100000"/>
-              </a:lnSpc>
-              <a:spcAft>
-                <a:spcPts val="601"/>
-              </a:spcAft>
-              <a:buClr>
-                <a:srgbClr val="092745"/>
-              </a:buClr>
-              <a:buFont typeface="Arial"/>
-              <a:buChar char="•"/>
-            </a:pPr>
-            <a:endParaRPr b="0" lang="en-US" sz="1800" spc="-1" strike="noStrike">
-              <a:latin typeface="Arial"/>
-            </a:endParaRPr>
-          </a:p>
-          <a:p>
-            <a:pPr marL="228600" indent="-227880">
-              <a:lnSpc>
-                <a:spcPct val="100000"/>
-              </a:lnSpc>
-              <a:spcAft>
-                <a:spcPts val="601"/>
-              </a:spcAft>
-              <a:buClr>
-                <a:srgbClr val="092745"/>
-              </a:buClr>
-              <a:buFont typeface="Arial"/>
-              <a:buChar char="•"/>
-            </a:pPr>
-            <a:endParaRPr b="0" lang="en-US" sz="1800" spc="-1" strike="noStrike">
-              <a:latin typeface="Arial"/>
-            </a:endParaRPr>
-          </a:p>
-          <a:p>
-            <a:pPr>
-              <a:lnSpc>
-                <a:spcPct val="100000"/>
-              </a:lnSpc>
-              <a:spcAft>
-                <a:spcPts val="601"/>
-              </a:spcAft>
-            </a:pPr>
-            <a:r>
-              <a:rPr b="0" lang="en-US" sz="2800" spc="-1" strike="noStrike">
+            </a:pPr>
+            <a:r>
+              <a:rPr b="0" lang="en-US" sz="3200" spc="-1" strike="noStrike">
                 <a:solidFill>
                   <a:srgbClr val="092745"/>
                 </a:solidFill>
                 <a:latin typeface="Arial"/>
-              </a:rPr>
-              <a:t>Understanding/Playing around with process descriptions</a:t>
-            </a:r>
-            <a:endParaRPr b="0" lang="en-US" sz="2800" spc="-1" strike="noStrike">
-              <a:latin typeface="Arial"/>
-            </a:endParaRPr>
-          </a:p>
-          <a:p>
-            <a:pPr marL="228600" indent="-227880">
+                <a:ea typeface="DejaVu Sans"/>
+              </a:rPr>
+              <a:t>Created by Steven (Steve) McDaniel, Hexagon</a:t>
+            </a:r>
+            <a:endParaRPr b="0" lang="en-US" sz="3200" spc="-1" strike="noStrike">
+              <a:latin typeface="Arial"/>
+            </a:endParaRPr>
+          </a:p>
+          <a:p>
+            <a:pPr>
               <a:lnSpc>
                 <a:spcPct val="100000"/>
               </a:lnSpc>
               <a:spcAft>
                 <a:spcPts val="601"/>
               </a:spcAft>
-              <a:buClr>
-                <a:srgbClr val="092745"/>
-              </a:buClr>
-              <a:buFont typeface="Arial"/>
-              <a:buChar char="•"/>
-            </a:pPr>
-            <a:endParaRPr b="0" lang="en-US" sz="2800" spc="-1" strike="noStrike">
+            </a:pPr>
+            <a:endParaRPr b="0" lang="en-US" sz="3200" spc="-1" strike="noStrike">
+              <a:latin typeface="Arial"/>
+            </a:endParaRPr>
+          </a:p>
+          <a:p>
+            <a:pPr>
+              <a:lnSpc>
+                <a:spcPct val="100000"/>
+              </a:lnSpc>
+              <a:spcAft>
+                <a:spcPts val="601"/>
+              </a:spcAft>
+            </a:pPr>
+            <a:endParaRPr b="0" lang="en-US" sz="3200" spc="-1" strike="noStrike">
+              <a:latin typeface="Arial"/>
+            </a:endParaRPr>
+          </a:p>
+          <a:p>
+            <a:pPr>
+              <a:lnSpc>
+                <a:spcPct val="100000"/>
+              </a:lnSpc>
+              <a:spcAft>
+                <a:spcPts val="601"/>
+              </a:spcAft>
+            </a:pPr>
+            <a:r>
+              <a:rPr b="0" lang="en-US" sz="3200" spc="-1" strike="noStrike">
+                <a:solidFill>
+                  <a:srgbClr val="092745"/>
+                </a:solidFill>
+                <a:latin typeface="Arial"/>
+                <a:ea typeface="DejaVu Sans"/>
+              </a:rPr>
+              <a:t>http://bit.ly/oapip-handout</a:t>
+            </a:r>
+            <a:endParaRPr b="0" lang="en-US" sz="3200" spc="-1" strike="noStrike">
+              <a:latin typeface="Arial"/>
+            </a:endParaRPr>
+          </a:p>
+          <a:p>
+            <a:pPr>
+              <a:lnSpc>
+                <a:spcPct val="100000"/>
+              </a:lnSpc>
+              <a:spcAft>
+                <a:spcPts val="601"/>
+              </a:spcAft>
+            </a:pPr>
+            <a:endParaRPr b="0" lang="en-US" sz="3200" spc="-1" strike="noStrike">
               <a:latin typeface="Arial"/>
             </a:endParaRPr>
           </a:p>
@@ -8282,14 +6903,14 @@
       </p:grpSpPr>
       <p:sp>
         <p:nvSpPr>
-          <p:cNvPr id="162" name="CustomShape 1"/>
+          <p:cNvPr id="121" name="CustomShape 1"/>
           <p:cNvSpPr/>
           <p:nvPr/>
         </p:nvSpPr>
         <p:spPr>
           <a:xfrm>
             <a:off x="223560" y="55440"/>
-            <a:ext cx="10514880" cy="765000"/>
+            <a:ext cx="10514520" cy="764640"/>
           </a:xfrm>
           <a:prstGeom prst="rect">
             <a:avLst/>
@@ -8321,6 +6942,7 @@
                   <a:srgbClr val="f2f2f2"/>
                 </a:solidFill>
                 <a:latin typeface="Lato"/>
+                <a:ea typeface="DejaVu Sans"/>
               </a:rPr>
               <a:t>Block 1</a:t>
             </a:r>
@@ -8332,14 +6954,14 @@
       </p:sp>
       <p:sp>
         <p:nvSpPr>
-          <p:cNvPr id="163" name="CustomShape 2"/>
+          <p:cNvPr id="122" name="CustomShape 2"/>
           <p:cNvSpPr/>
           <p:nvPr/>
         </p:nvSpPr>
         <p:spPr>
           <a:xfrm>
             <a:off x="334080" y="1162800"/>
-            <a:ext cx="10514880" cy="4350600"/>
+            <a:ext cx="10514520" cy="4350240"/>
           </a:xfrm>
           <a:prstGeom prst="rect">
             <a:avLst/>
@@ -8360,18 +6982,65 @@
             <a:noAutofit/>
           </a:bodyPr>
           <a:p>
-            <a:pPr marL="228600" indent="-227880">
+            <a:pPr>
               <a:lnSpc>
                 <a:spcPct val="100000"/>
               </a:lnSpc>
               <a:spcAft>
                 <a:spcPts val="601"/>
               </a:spcAft>
-              <a:buClr>
-                <a:srgbClr val="092745"/>
-              </a:buClr>
-              <a:buFont typeface="Arial"/>
-              <a:buChar char="•"/>
+            </a:pPr>
+            <a:endParaRPr b="0" lang="en-US" sz="1800" spc="-1" strike="noStrike">
+              <a:latin typeface="Arial"/>
+            </a:endParaRPr>
+          </a:p>
+          <a:p>
+            <a:pPr>
+              <a:lnSpc>
+                <a:spcPct val="100000"/>
+              </a:lnSpc>
+              <a:spcAft>
+                <a:spcPts val="601"/>
+              </a:spcAft>
+            </a:pPr>
+            <a:endParaRPr b="0" lang="en-US" sz="1800" spc="-1" strike="noStrike">
+              <a:latin typeface="Arial"/>
+            </a:endParaRPr>
+          </a:p>
+          <a:p>
+            <a:pPr>
+              <a:lnSpc>
+                <a:spcPct val="100000"/>
+              </a:lnSpc>
+              <a:spcAft>
+                <a:spcPts val="601"/>
+              </a:spcAft>
+            </a:pPr>
+            <a:endParaRPr b="0" lang="en-US" sz="1800" spc="-1" strike="noStrike">
+              <a:latin typeface="Arial"/>
+            </a:endParaRPr>
+          </a:p>
+          <a:p>
+            <a:pPr>
+              <a:lnSpc>
+                <a:spcPct val="100000"/>
+              </a:lnSpc>
+              <a:spcAft>
+                <a:spcPts val="601"/>
+              </a:spcAft>
+            </a:pPr>
+            <a:endParaRPr b="0" lang="en-US" sz="1800" spc="-1" strike="noStrike">
+              <a:latin typeface="Arial"/>
+            </a:endParaRPr>
+          </a:p>
+          <a:p>
+            <a:pPr>
+              <a:lnSpc>
+                <a:spcPct val="100000"/>
+              </a:lnSpc>
+              <a:spcAft>
+                <a:spcPts val="601"/>
+              </a:spcAft>
             </a:pPr>
             <a:r>
               <a:rPr b="0" lang="en-US" sz="2800" spc="-1" strike="noStrike">
@@ -8379,6 +7048,7 @@
                   <a:srgbClr val="092745"/>
                 </a:solidFill>
                 <a:latin typeface="Arial"/>
+                <a:ea typeface="DejaVu Sans"/>
               </a:rPr>
               <a:t>Understanding/Playing around with process descriptions</a:t>
             </a:r>
@@ -8387,126 +7057,13 @@
             </a:endParaRPr>
           </a:p>
           <a:p>
-            <a:pPr marL="228600" indent="-227880">
+            <a:pPr>
               <a:lnSpc>
                 <a:spcPct val="100000"/>
               </a:lnSpc>
               <a:spcAft>
                 <a:spcPts val="601"/>
               </a:spcAft>
-              <a:buClr>
-                <a:srgbClr val="092745"/>
-              </a:buClr>
-              <a:buFont typeface="Arial"/>
-              <a:buChar char="•"/>
-            </a:pPr>
-            <a:endParaRPr b="0" lang="en-US" sz="2800" spc="-1" strike="noStrike">
-              <a:latin typeface="Arial"/>
-            </a:endParaRPr>
-          </a:p>
-          <a:p>
-            <a:pPr marL="228600" indent="-227880">
-              <a:lnSpc>
-                <a:spcPct val="100000"/>
-              </a:lnSpc>
-              <a:spcAft>
-                <a:spcPts val="601"/>
-              </a:spcAft>
-              <a:buClr>
-                <a:srgbClr val="092745"/>
-              </a:buClr>
-              <a:buFont typeface="Arial"/>
-              <a:buChar char="•"/>
-            </a:pPr>
-            <a:endParaRPr b="0" lang="en-US" sz="2800" spc="-1" strike="noStrike">
-              <a:latin typeface="Arial"/>
-            </a:endParaRPr>
-          </a:p>
-          <a:p>
-            <a:pPr marL="228600" indent="-227880">
-              <a:lnSpc>
-                <a:spcPct val="100000"/>
-              </a:lnSpc>
-              <a:spcAft>
-                <a:spcPts val="601"/>
-              </a:spcAft>
-              <a:buClr>
-                <a:srgbClr val="092745"/>
-              </a:buClr>
-              <a:buFont typeface="Arial"/>
-              <a:buChar char="•"/>
-            </a:pPr>
-            <a:endParaRPr b="0" lang="en-US" sz="2800" spc="-1" strike="noStrike">
-              <a:latin typeface="Arial"/>
-            </a:endParaRPr>
-          </a:p>
-          <a:p>
-            <a:pPr marL="228600" indent="-227880">
-              <a:lnSpc>
-                <a:spcPct val="100000"/>
-              </a:lnSpc>
-              <a:spcAft>
-                <a:spcPts val="601"/>
-              </a:spcAft>
-              <a:buClr>
-                <a:srgbClr val="092745"/>
-              </a:buClr>
-              <a:buFont typeface="Arial"/>
-              <a:buChar char="•"/>
-            </a:pPr>
-            <a:r>
-              <a:rPr b="0" lang="en-US" sz="2800" spc="-1" strike="noStrike">
-                <a:solidFill>
-                  <a:srgbClr val="092745"/>
-                </a:solidFill>
-                <a:latin typeface="Arial"/>
-              </a:rPr>
-              <a:t>Use curl or the swagger-uis to request/look at process descriptions</a:t>
-            </a:r>
-            <a:endParaRPr b="0" lang="en-US" sz="2800" spc="-1" strike="noStrike">
-              <a:latin typeface="Arial"/>
-            </a:endParaRPr>
-          </a:p>
-          <a:p>
-            <a:pPr marL="228600" indent="-227880">
-              <a:lnSpc>
-                <a:spcPct val="100000"/>
-              </a:lnSpc>
-              <a:spcAft>
-                <a:spcPts val="601"/>
-              </a:spcAft>
-              <a:buClr>
-                <a:srgbClr val="092745"/>
-              </a:buClr>
-              <a:buFont typeface="Arial"/>
-              <a:buChar char="•"/>
-            </a:pPr>
-            <a:r>
-              <a:rPr b="0" lang="en-US" sz="2800" spc="-1" strike="noStrike">
-                <a:solidFill>
-                  <a:srgbClr val="092745"/>
-                </a:solidFill>
-                <a:latin typeface="Arial"/>
-              </a:rPr>
-              <a:t>Note down every thing that you like/do not like/do not understand</a:t>
-            </a:r>
-            <a:endParaRPr b="0" lang="en-US" sz="2800" spc="-1" strike="noStrike">
-              <a:latin typeface="Arial"/>
-            </a:endParaRPr>
-          </a:p>
-          <a:p>
-            <a:pPr marL="228600" indent="-227880">
-              <a:lnSpc>
-                <a:spcPct val="100000"/>
-              </a:lnSpc>
-              <a:spcAft>
-                <a:spcPts val="601"/>
-              </a:spcAft>
-              <a:buClr>
-                <a:srgbClr val="092745"/>
-              </a:buClr>
-              <a:buFont typeface="Arial"/>
-              <a:buChar char="•"/>
             </a:pPr>
             <a:endParaRPr b="0" lang="en-US" sz="2800" spc="-1" strike="noStrike">
               <a:latin typeface="Arial"/>
@@ -8546,14 +7103,14 @@
       </p:grpSpPr>
       <p:sp>
         <p:nvSpPr>
-          <p:cNvPr id="164" name="CustomShape 1"/>
+          <p:cNvPr id="123" name="CustomShape 1"/>
           <p:cNvSpPr/>
           <p:nvPr/>
         </p:nvSpPr>
         <p:spPr>
           <a:xfrm>
             <a:off x="223560" y="55440"/>
-            <a:ext cx="10514880" cy="765000"/>
+            <a:ext cx="10514520" cy="764640"/>
           </a:xfrm>
           <a:prstGeom prst="rect">
             <a:avLst/>
@@ -8585,8 +7142,9 @@
                   <a:srgbClr val="f2f2f2"/>
                 </a:solidFill>
                 <a:latin typeface="Lato"/>
-              </a:rPr>
-              <a:t>Block 2</a:t>
+                <a:ea typeface="DejaVu Sans"/>
+              </a:rPr>
+              <a:t>Block 1</a:t>
             </a:r>
             <a:endParaRPr b="0" lang="en-US" sz="3600" spc="-1" strike="noStrike">
               <a:latin typeface="Arial"/>
@@ -8596,14 +7154,14 @@
       </p:sp>
       <p:sp>
         <p:nvSpPr>
-          <p:cNvPr id="165" name="CustomShape 2"/>
+          <p:cNvPr id="124" name="CustomShape 2"/>
           <p:cNvSpPr/>
           <p:nvPr/>
         </p:nvSpPr>
         <p:spPr>
           <a:xfrm>
             <a:off x="334080" y="1162800"/>
-            <a:ext cx="10514880" cy="4350600"/>
+            <a:ext cx="10514520" cy="4350240"/>
           </a:xfrm>
           <a:prstGeom prst="rect">
             <a:avLst/>
@@ -8624,7 +7182,7 @@
             <a:noAutofit/>
           </a:bodyPr>
           <a:p>
-            <a:pPr marL="228600" indent="-227880">
+            <a:pPr marL="228600" indent="-227520">
               <a:lnSpc>
                 <a:spcPct val="100000"/>
               </a:lnSpc>
@@ -8637,12 +7195,61 @@
               <a:buFont typeface="Arial"/>
               <a:buChar char="•"/>
             </a:pPr>
-            <a:endParaRPr b="0" lang="en-US" sz="1800" spc="-1" strike="noStrike">
-              <a:latin typeface="Arial"/>
-            </a:endParaRPr>
-          </a:p>
-          <a:p>
-            <a:pPr marL="228600" indent="-227880">
+            <a:r>
+              <a:rPr b="0" lang="en-US" sz="2800" spc="-1" strike="noStrike">
+                <a:solidFill>
+                  <a:srgbClr val="092745"/>
+                </a:solidFill>
+                <a:latin typeface="Arial"/>
+                <a:ea typeface="DejaVu Sans"/>
+              </a:rPr>
+              <a:t>Understanding/Playing around with process descriptions</a:t>
+            </a:r>
+            <a:endParaRPr b="0" lang="en-US" sz="2800" spc="-1" strike="noStrike">
+              <a:latin typeface="Arial"/>
+            </a:endParaRPr>
+          </a:p>
+          <a:p>
+            <a:pPr>
+              <a:lnSpc>
+                <a:spcPct val="100000"/>
+              </a:lnSpc>
+              <a:spcAft>
+                <a:spcPts val="601"/>
+              </a:spcAft>
+            </a:pPr>
+            <a:endParaRPr b="0" lang="en-US" sz="2800" spc="-1" strike="noStrike">
+              <a:latin typeface="Arial"/>
+            </a:endParaRPr>
+          </a:p>
+          <a:p>
+            <a:pPr>
+              <a:lnSpc>
+                <a:spcPct val="100000"/>
+              </a:lnSpc>
+              <a:spcAft>
+                <a:spcPts val="601"/>
+              </a:spcAft>
+            </a:pPr>
+            <a:endParaRPr b="0" lang="en-US" sz="2800" spc="-1" strike="noStrike">
+              <a:latin typeface="Arial"/>
+            </a:endParaRPr>
+          </a:p>
+          <a:p>
+            <a:pPr>
+              <a:lnSpc>
+                <a:spcPct val="100000"/>
+              </a:lnSpc>
+              <a:spcAft>
+                <a:spcPts val="601"/>
+              </a:spcAft>
+            </a:pPr>
+            <a:endParaRPr b="0" lang="en-US" sz="2800" spc="-1" strike="noStrike">
+              <a:latin typeface="Arial"/>
+            </a:endParaRPr>
+          </a:p>
+          <a:p>
+            <a:pPr marL="228600" indent="-227520">
               <a:lnSpc>
                 <a:spcPct val="100000"/>
               </a:lnSpc>
@@ -8655,12 +7262,22 @@
               <a:buFont typeface="Arial"/>
               <a:buChar char="•"/>
             </a:pPr>
-            <a:endParaRPr b="0" lang="en-US" sz="1800" spc="-1" strike="noStrike">
-              <a:latin typeface="Arial"/>
-            </a:endParaRPr>
-          </a:p>
-          <a:p>
-            <a:pPr marL="228600" indent="-227880">
+            <a:r>
+              <a:rPr b="0" lang="en-US" sz="2800" spc="-1" strike="noStrike">
+                <a:solidFill>
+                  <a:srgbClr val="092745"/>
+                </a:solidFill>
+                <a:latin typeface="Arial"/>
+                <a:ea typeface="DejaVu Sans"/>
+              </a:rPr>
+              <a:t>Use curl or the swagger-uis to request/look at process descriptions</a:t>
+            </a:r>
+            <a:endParaRPr b="0" lang="en-US" sz="2800" spc="-1" strike="noStrike">
+              <a:latin typeface="Arial"/>
+            </a:endParaRPr>
+          </a:p>
+          <a:p>
+            <a:pPr marL="228600" indent="-227520">
               <a:lnSpc>
                 <a:spcPct val="100000"/>
               </a:lnSpc>
@@ -8673,74 +7290,28 @@
               <a:buFont typeface="Arial"/>
               <a:buChar char="•"/>
             </a:pPr>
-            <a:endParaRPr b="0" lang="en-US" sz="1800" spc="-1" strike="noStrike">
-              <a:latin typeface="Arial"/>
-            </a:endParaRPr>
-          </a:p>
-          <a:p>
-            <a:pPr marL="228600" indent="-227880">
-              <a:lnSpc>
-                <a:spcPct val="100000"/>
-              </a:lnSpc>
-              <a:spcAft>
-                <a:spcPts val="601"/>
-              </a:spcAft>
-              <a:buClr>
-                <a:srgbClr val="092745"/>
-              </a:buClr>
-              <a:buFont typeface="Arial"/>
-              <a:buChar char="•"/>
-            </a:pPr>
-            <a:endParaRPr b="0" lang="en-US" sz="1800" spc="-1" strike="noStrike">
-              <a:latin typeface="Arial"/>
-            </a:endParaRPr>
-          </a:p>
-          <a:p>
             <a:r>
               <a:rPr b="0" lang="en-US" sz="2800" spc="-1" strike="noStrike">
                 <a:solidFill>
                   <a:srgbClr val="092745"/>
                 </a:solidFill>
                 <a:latin typeface="Arial"/>
-              </a:rPr>
-              <a:t>Understanding/Playing around with</a:t>
-            </a:r>
-            <a:r>
-              <a:rPr b="0" lang="en-US" sz="1800" spc="-1" strike="noStrike">
-                <a:solidFill>
-                  <a:srgbClr val="092745"/>
-                </a:solidFill>
-                <a:latin typeface="Arial"/>
-                <a:ea typeface="Microsoft YaHei"/>
-              </a:rPr>
-              <a:t> </a:t>
-            </a:r>
-            <a:r>
-              <a:rPr b="0" lang="en-US" sz="2800" spc="-1" strike="noStrike">
-                <a:solidFill>
-                  <a:srgbClr val="092745"/>
-                </a:solidFill>
-                <a:latin typeface="Arial"/>
-              </a:rPr>
-              <a:t>process execution</a:t>
+                <a:ea typeface="DejaVu Sans"/>
+              </a:rPr>
+              <a:t>Note down every thing that you like/do not like/do not understand</a:t>
             </a:r>
             <a:endParaRPr b="0" lang="en-US" sz="2800" spc="-1" strike="noStrike">
               <a:latin typeface="Arial"/>
             </a:endParaRPr>
           </a:p>
           <a:p>
-            <a:pPr marL="228600" indent="-227880">
+            <a:pPr>
               <a:lnSpc>
                 <a:spcPct val="100000"/>
               </a:lnSpc>
               <a:spcAft>
                 <a:spcPts val="601"/>
               </a:spcAft>
-              <a:buClr>
-                <a:srgbClr val="092745"/>
-              </a:buClr>
-              <a:buFont typeface="Arial"/>
-              <a:buChar char="•"/>
             </a:pPr>
             <a:endParaRPr b="0" lang="en-US" sz="2800" spc="-1" strike="noStrike">
               <a:latin typeface="Arial"/>
@@ -8780,14 +7351,14 @@
       </p:grpSpPr>
       <p:sp>
         <p:nvSpPr>
-          <p:cNvPr id="166" name="CustomShape 1"/>
+          <p:cNvPr id="125" name="CustomShape 1"/>
           <p:cNvSpPr/>
           <p:nvPr/>
         </p:nvSpPr>
         <p:spPr>
           <a:xfrm>
             <a:off x="223560" y="55440"/>
-            <a:ext cx="10514880" cy="765000"/>
+            <a:ext cx="10514520" cy="764640"/>
           </a:xfrm>
           <a:prstGeom prst="rect">
             <a:avLst/>
@@ -8819,8 +7390,9 @@
                   <a:srgbClr val="f2f2f2"/>
                 </a:solidFill>
                 <a:latin typeface="Lato"/>
-              </a:rPr>
-              <a:t>Block 1</a:t>
+                <a:ea typeface="DejaVu Sans"/>
+              </a:rPr>
+              <a:t>Block 2</a:t>
             </a:r>
             <a:endParaRPr b="0" lang="en-US" sz="3600" spc="-1" strike="noStrike">
               <a:latin typeface="Arial"/>
@@ -8830,14 +7402,14 @@
       </p:sp>
       <p:sp>
         <p:nvSpPr>
-          <p:cNvPr id="167" name="CustomShape 2"/>
+          <p:cNvPr id="126" name="CustomShape 2"/>
           <p:cNvSpPr/>
           <p:nvPr/>
         </p:nvSpPr>
         <p:spPr>
           <a:xfrm>
             <a:off x="334080" y="1162800"/>
-            <a:ext cx="10514880" cy="4350600"/>
+            <a:ext cx="10514520" cy="4350240"/>
           </a:xfrm>
           <a:prstGeom prst="rect">
             <a:avLst/>
@@ -8858,18 +7430,62 @@
             <a:noAutofit/>
           </a:bodyPr>
           <a:p>
-            <a:pPr marL="228600" indent="-227880">
+            <a:pPr>
               <a:lnSpc>
                 <a:spcPct val="100000"/>
               </a:lnSpc>
               <a:spcAft>
                 <a:spcPts val="601"/>
               </a:spcAft>
-              <a:buClr>
-                <a:srgbClr val="092745"/>
-              </a:buClr>
-              <a:buFont typeface="Arial"/>
-              <a:buChar char="•"/>
+            </a:pPr>
+            <a:endParaRPr b="0" lang="en-US" sz="1800" spc="-1" strike="noStrike">
+              <a:latin typeface="Arial"/>
+            </a:endParaRPr>
+          </a:p>
+          <a:p>
+            <a:pPr>
+              <a:lnSpc>
+                <a:spcPct val="100000"/>
+              </a:lnSpc>
+              <a:spcAft>
+                <a:spcPts val="601"/>
+              </a:spcAft>
+            </a:pPr>
+            <a:endParaRPr b="0" lang="en-US" sz="1800" spc="-1" strike="noStrike">
+              <a:latin typeface="Arial"/>
+            </a:endParaRPr>
+          </a:p>
+          <a:p>
+            <a:pPr>
+              <a:lnSpc>
+                <a:spcPct val="100000"/>
+              </a:lnSpc>
+              <a:spcAft>
+                <a:spcPts val="601"/>
+              </a:spcAft>
+            </a:pPr>
+            <a:endParaRPr b="0" lang="en-US" sz="1800" spc="-1" strike="noStrike">
+              <a:latin typeface="Arial"/>
+            </a:endParaRPr>
+          </a:p>
+          <a:p>
+            <a:pPr>
+              <a:lnSpc>
+                <a:spcPct val="100000"/>
+              </a:lnSpc>
+              <a:spcAft>
+                <a:spcPts val="601"/>
+              </a:spcAft>
+            </a:pPr>
+            <a:endParaRPr b="0" lang="en-US" sz="1800" spc="-1" strike="noStrike">
+              <a:latin typeface="Arial"/>
+            </a:endParaRPr>
+          </a:p>
+          <a:p>
+            <a:pPr>
+              <a:lnSpc>
+                <a:spcPct val="100000"/>
+              </a:lnSpc>
             </a:pPr>
             <a:r>
               <a:rPr b="0" lang="en-US" sz="2800" spc="-1" strike="noStrike">
@@ -8877,161 +7493,42 @@
                   <a:srgbClr val="092745"/>
                 </a:solidFill>
                 <a:latin typeface="Arial"/>
-              </a:rPr>
-              <a:t>Understanding/Playing around with process execution</a:t>
-            </a:r>
-            <a:endParaRPr b="0" lang="en-US" sz="2800" spc="-1" strike="noStrike">
-              <a:latin typeface="Arial"/>
-            </a:endParaRPr>
-          </a:p>
-          <a:p>
-            <a:pPr marL="228600" indent="-227880">
-              <a:lnSpc>
-                <a:spcPct val="100000"/>
-              </a:lnSpc>
-              <a:spcAft>
-                <a:spcPts val="601"/>
-              </a:spcAft>
-              <a:buClr>
-                <a:srgbClr val="092745"/>
-              </a:buClr>
-              <a:buFont typeface="Arial"/>
-              <a:buChar char="•"/>
-            </a:pPr>
-            <a:endParaRPr b="0" lang="en-US" sz="2800" spc="-1" strike="noStrike">
-              <a:latin typeface="Arial"/>
-            </a:endParaRPr>
-          </a:p>
-          <a:p>
-            <a:pPr marL="228600" indent="-227880">
-              <a:lnSpc>
-                <a:spcPct val="100000"/>
-              </a:lnSpc>
-              <a:spcAft>
-                <a:spcPts val="601"/>
-              </a:spcAft>
-              <a:buClr>
-                <a:srgbClr val="092745"/>
-              </a:buClr>
-              <a:buFont typeface="Arial"/>
-              <a:buChar char="•"/>
-            </a:pPr>
-            <a:endParaRPr b="0" lang="en-US" sz="2800" spc="-1" strike="noStrike">
-              <a:latin typeface="Arial"/>
-            </a:endParaRPr>
-          </a:p>
-          <a:p>
-            <a:pPr marL="228600" indent="-227880">
-              <a:lnSpc>
-                <a:spcPct val="100000"/>
-              </a:lnSpc>
-              <a:spcAft>
-                <a:spcPts val="601"/>
-              </a:spcAft>
-              <a:buClr>
-                <a:srgbClr val="092745"/>
-              </a:buClr>
-              <a:buFont typeface="Arial"/>
-              <a:buChar char="•"/>
-            </a:pPr>
-            <a:endParaRPr b="0" lang="en-US" sz="2800" spc="-1" strike="noStrike">
-              <a:latin typeface="Arial"/>
-            </a:endParaRPr>
-          </a:p>
-          <a:p>
-            <a:pPr marL="228600" indent="-227880">
-              <a:lnSpc>
-                <a:spcPct val="100000"/>
-              </a:lnSpc>
-              <a:spcAft>
-                <a:spcPts val="601"/>
-              </a:spcAft>
-              <a:buClr>
-                <a:srgbClr val="092745"/>
-              </a:buClr>
-              <a:buFont typeface="Arial"/>
-              <a:buChar char="•"/>
-            </a:pPr>
+                <a:ea typeface="DejaVu Sans"/>
+              </a:rPr>
+              <a:t>Understanding/Playing around with</a:t>
+            </a:r>
+            <a:r>
+              <a:rPr b="0" lang="en-US" sz="1800" spc="-1" strike="noStrike">
+                <a:solidFill>
+                  <a:srgbClr val="092745"/>
+                </a:solidFill>
+                <a:latin typeface="Arial"/>
+                <a:ea typeface="Microsoft YaHei"/>
+              </a:rPr>
+              <a:t> </a:t>
+            </a:r>
             <a:r>
               <a:rPr b="0" lang="en-US" sz="2800" spc="-1" strike="noStrike">
                 <a:solidFill>
                   <a:srgbClr val="092745"/>
                 </a:solidFill>
                 <a:latin typeface="Arial"/>
-              </a:rPr>
-              <a:t>Use curl or the swagger-uis to execute processes, i.e. create new jobs</a:t>
+                <a:ea typeface="DejaVu Sans"/>
+              </a:rPr>
+              <a:t>process execution</a:t>
             </a:r>
             <a:endParaRPr b="0" lang="en-US" sz="2800" spc="-1" strike="noStrike">
               <a:latin typeface="Arial"/>
             </a:endParaRPr>
           </a:p>
           <a:p>
-            <a:pPr marL="228600" indent="-227880">
+            <a:pPr>
               <a:lnSpc>
                 <a:spcPct val="100000"/>
               </a:lnSpc>
               <a:spcAft>
                 <a:spcPts val="601"/>
               </a:spcAft>
-              <a:buClr>
-                <a:srgbClr val="092745"/>
-              </a:buClr>
-              <a:buFont typeface="Arial"/>
-              <a:buChar char="•"/>
-            </a:pPr>
-            <a:r>
-              <a:rPr b="1" lang="en-US" sz="2800" spc="-1" strike="noStrike">
-                <a:solidFill>
-                  <a:srgbClr val="092745"/>
-                </a:solidFill>
-                <a:latin typeface="Arial"/>
-              </a:rPr>
-              <a:t>Change parameters and look what happens</a:t>
-            </a:r>
-            <a:endParaRPr b="0" lang="en-US" sz="2800" spc="-1" strike="noStrike">
-              <a:latin typeface="Arial"/>
-            </a:endParaRPr>
-          </a:p>
-          <a:p>
-            <a:pPr marL="228600" indent="-227880">
-              <a:lnSpc>
-                <a:spcPct val="100000"/>
-              </a:lnSpc>
-              <a:spcAft>
-                <a:spcPts val="601"/>
-              </a:spcAft>
-              <a:buClr>
-                <a:srgbClr val="092745"/>
-              </a:buClr>
-              <a:buFont typeface="Arial"/>
-              <a:buChar char="•"/>
-            </a:pPr>
-            <a:r>
-              <a:rPr b="0" lang="en-US" sz="2800" spc="-1" strike="noStrike">
-                <a:solidFill>
-                  <a:srgbClr val="092745"/>
-                </a:solidFill>
-                <a:latin typeface="Arial"/>
-              </a:rPr>
-              <a:t>Note down every thing that you like/do not like/do not understand</a:t>
-            </a:r>
-            <a:endParaRPr b="0" lang="en-US" sz="2800" spc="-1" strike="noStrike">
-              <a:latin typeface="Arial"/>
-            </a:endParaRPr>
-          </a:p>
-          <a:p>
-            <a:pPr marL="228600" indent="-227880">
-              <a:lnSpc>
-                <a:spcPct val="100000"/>
-              </a:lnSpc>
-              <a:spcAft>
-                <a:spcPts val="601"/>
-              </a:spcAft>
-              <a:buClr>
-                <a:srgbClr val="092745"/>
-              </a:buClr>
-              <a:buFont typeface="Arial"/>
-              <a:buChar char="•"/>
             </a:pPr>
             <a:endParaRPr b="0" lang="en-US" sz="2800" spc="-1" strike="noStrike">
               <a:latin typeface="Arial"/>
@@ -9728,230 +8225,4 @@
     </a:fmtScheme>
   </a:themeElements>
 </a:theme>
-</file>
-
-<file path=ppt/theme/theme4.xml><?xml version="1.0" encoding="utf-8"?>
-<a:theme xmlns:a="http://schemas.openxmlformats.org/drawingml/2006/main" name="Office Theme">
-  <a:themeElements>
-    <a:clrScheme name="Office">
-      <a:dk1>
-        <a:sysClr val="windowText" lastClr="000000"/>
-      </a:dk1>
-      <a:lt1>
-        <a:sysClr val="window" lastClr="FFFFFF"/>
-      </a:lt1>
-      <a:dk2>
-        <a:srgbClr val="44546a"/>
-      </a:dk2>
-      <a:lt2>
-        <a:srgbClr val="e7e6e6"/>
-      </a:lt2>
-      <a:accent1>
-        <a:srgbClr val="4472c4"/>
-      </a:accent1>
-      <a:accent2>
-        <a:srgbClr val="ed7d31"/>
-      </a:accent2>
-      <a:accent3>
-        <a:srgbClr val="a5a5a5"/>
-      </a:accent3>
-      <a:accent4>
-        <a:srgbClr val="ffc000"/>
-      </a:accent4>
-      <a:accent5>
-        <a:srgbClr val="5b9bd5"/>
-      </a:accent5>
-      <a:accent6>
-        <a:srgbClr val="70ad47"/>
-      </a:accent6>
-      <a:hlink>
-        <a:srgbClr val="0563c1"/>
-      </a:hlink>
-      <a:folHlink>
-        <a:srgbClr val="954f72"/>
-      </a:folHlink>
-    </a:clrScheme>
-    <a:fontScheme name="Office">
-      <a:majorFont>
-        <a:latin typeface="Arial"/>
-        <a:ea typeface="DejaVu Sans"/>
-        <a:cs typeface="DejaVu Sans"/>
-      </a:majorFont>
-      <a:minorFont>
-        <a:latin typeface="Arial"/>
-        <a:ea typeface="DejaVu Sans"/>
-        <a:cs typeface="DejaVu Sans"/>
-      </a:minorFont>
-    </a:fontScheme>
-    <a:fmtScheme name="Office">
-      <a:fillStyleLst>
-        <a:solidFill>
-          <a:schemeClr val="phClr"/>
-        </a:solidFill>
-        <a:gradFill rotWithShape="1">
-          <a:gsLst>
-            <a:gs pos="0">
-              <a:schemeClr val="phClr">
-                <a:tint val="50000"/>
-                <a:satMod val="300000"/>
-              </a:schemeClr>
-            </a:gs>
-            <a:gs pos="35000">
-              <a:schemeClr val="phClr">
-                <a:tint val="37000"/>
-                <a:satMod val="300000"/>
-              </a:schemeClr>
-            </a:gs>
-            <a:gs pos="100000">
-              <a:schemeClr val="phClr">
-                <a:tint val="15000"/>
-                <a:satMod val="350000"/>
-              </a:schemeClr>
-            </a:gs>
-          </a:gsLst>
-          <a:lin ang="16200000" scaled="1"/>
-        </a:gradFill>
-        <a:gradFill rotWithShape="1">
-          <a:gsLst>
-            <a:gs pos="0">
-              <a:schemeClr val="phClr">
-                <a:shade val="51000"/>
-                <a:satMod val="130000"/>
-              </a:schemeClr>
-            </a:gs>
-            <a:gs pos="80000">
-              <a:schemeClr val="phClr">
-                <a:shade val="93000"/>
-                <a:satMod val="130000"/>
-              </a:schemeClr>
-            </a:gs>
-            <a:gs pos="100000">
-              <a:schemeClr val="phClr">
-                <a:shade val="94000"/>
-                <a:satMod val="135000"/>
-              </a:schemeClr>
-            </a:gs>
-          </a:gsLst>
-          <a:lin ang="16200000" scaled="0"/>
-        </a:gradFill>
-      </a:fillStyleLst>
-      <a:lnStyleLst>
-        <a:ln w="9525" cap="flat" cmpd="sng" algn="ctr">
-          <a:solidFill>
-            <a:schemeClr val="phClr">
-              <a:shade val="95000"/>
-              <a:satMod val="105000"/>
-            </a:schemeClr>
-          </a:solidFill>
-          <a:prstDash val="solid"/>
-          <a:miter/>
-        </a:ln>
-        <a:ln w="25400" cap="flat" cmpd="sng" algn="ctr">
-          <a:solidFill>
-            <a:schemeClr val="phClr"/>
-          </a:solidFill>
-          <a:prstDash val="solid"/>
-          <a:miter/>
-        </a:ln>
-        <a:ln w="38100" cap="flat" cmpd="sng" algn="ctr">
-          <a:solidFill>
-            <a:schemeClr val="phClr"/>
-          </a:solidFill>
-          <a:prstDash val="solid"/>
-          <a:miter/>
-        </a:ln>
-      </a:lnStyleLst>
-      <a:effectStyleLst>
-        <a:effectStyle>
-          <a:effectLst>
-            <a:outerShdw blurRad="40000" dist="20000" dir="5400000" rotWithShape="0">
-              <a:srgbClr val="000000">
-                <a:alpha val="38000"/>
-              </a:srgbClr>
-            </a:outerShdw>
-          </a:effectLst>
-        </a:effectStyle>
-        <a:effectStyle>
-          <a:effectLst>
-            <a:outerShdw blurRad="40000" dist="23000" dir="5400000" rotWithShape="0">
-              <a:srgbClr val="000000">
-                <a:alpha val="35000"/>
-              </a:srgbClr>
-            </a:outerShdw>
-          </a:effectLst>
-        </a:effectStyle>
-        <a:effectStyle>
-          <a:effectLst>
-            <a:outerShdw blurRad="40000" dist="23000" dir="5400000" rotWithShape="0">
-              <a:srgbClr val="000000">
-                <a:alpha val="35000"/>
-              </a:srgbClr>
-            </a:outerShdw>
-          </a:effectLst>
-          <a:scene3d>
-            <a:camera prst="orthographicFront">
-              <a:rot lat="0" lon="0" rev="0"/>
-            </a:camera>
-            <a:lightRig rig="threePt" dir="t">
-              <a:rot lat="0" lon="0" rev="1200000"/>
-            </a:lightRig>
-          </a:scene3d>
-          <a:sp3d>
-            <a:bevelT w="63500" h="25400"/>
-          </a:sp3d>
-        </a:effectStyle>
-      </a:effectStyleLst>
-      <a:bgFillStyleLst>
-        <a:solidFill>
-          <a:schemeClr val="phClr"/>
-        </a:solidFill>
-        <a:gradFill rotWithShape="1">
-          <a:gsLst>
-            <a:gs pos="0">
-              <a:schemeClr val="phClr">
-                <a:tint val="40000"/>
-                <a:satMod val="350000"/>
-              </a:schemeClr>
-            </a:gs>
-            <a:gs pos="40000">
-              <a:schemeClr val="phClr">
-                <a:tint val="45000"/>
-                <a:shade val="99000"/>
-                <a:satMod val="350000"/>
-              </a:schemeClr>
-            </a:gs>
-            <a:gs pos="100000">
-              <a:schemeClr val="phClr">
-                <a:shade val="20000"/>
-                <a:satMod val="255000"/>
-              </a:schemeClr>
-            </a:gs>
-          </a:gsLst>
-          <a:path path="circle">
-            <a:fillToRect l="50000" t="-80000" r="50000" b="180000"/>
-          </a:path>
-        </a:gradFill>
-        <a:gradFill rotWithShape="1">
-          <a:gsLst>
-            <a:gs pos="0">
-              <a:schemeClr val="phClr">
-                <a:tint val="80000"/>
-                <a:satMod val="300000"/>
-              </a:schemeClr>
-            </a:gs>
-            <a:gs pos="100000">
-              <a:schemeClr val="phClr">
-                <a:shade val="30000"/>
-                <a:satMod val="200000"/>
-              </a:schemeClr>
-            </a:gs>
-          </a:gsLst>
-          <a:path path="circle">
-            <a:fillToRect l="50000" t="50000" r="50000" b="50000"/>
-          </a:path>
-        </a:gradFill>
-      </a:bgFillStyleLst>
-    </a:fmtScheme>
-  </a:themeElements>
-</a:theme>
 </file>